--- a/Spark_Custom_Stream_Sources_v2.pptx
+++ b/Spark_Custom_Stream_Sources_v2.pptx
@@ -5,7 +5,7 @@
     <p:sldMasterId id="2147483648" r:id="rId1"/>
   </p:sldMasterIdLst>
   <p:notesMasterIdLst>
-    <p:notesMasterId r:id="rId15"/>
+    <p:notesMasterId r:id="rId16"/>
   </p:notesMasterIdLst>
   <p:sldIdLst>
     <p:sldId id="257" r:id="rId2"/>
@@ -19,8 +19,9 @@
     <p:sldId id="289" r:id="rId10"/>
     <p:sldId id="290" r:id="rId11"/>
     <p:sldId id="291" r:id="rId12"/>
-    <p:sldId id="285" r:id="rId13"/>
-    <p:sldId id="270" r:id="rId14"/>
+    <p:sldId id="292" r:id="rId13"/>
+    <p:sldId id="285" r:id="rId14"/>
+    <p:sldId id="270" r:id="rId15"/>
   </p:sldIdLst>
   <p:sldSz cx="12192000" cy="6858000"/>
   <p:notesSz cx="6858000" cy="9144000"/>
@@ -3623,15 +3624,15 @@
               <a:t>  extends </a:t>
             </a:r>
             <a:r>
-              <a:rPr lang="en-US" dirty="0" err="1"/>
+              <a:rPr lang="en-US" b="1" dirty="0" err="1"/>
               <a:t>PartitionReader</a:t>
             </a:r>
             <a:r>
-              <a:rPr lang="en-US" dirty="0"/>
+              <a:rPr lang="en-US" b="1" dirty="0"/>
               <a:t>[</a:t>
             </a:r>
             <a:r>
-              <a:rPr lang="en-US" dirty="0" err="1"/>
+              <a:rPr lang="en-US" b="1" dirty="0" err="1"/>
               <a:t>InternalRow</a:t>
             </a:r>
             <a:r>
@@ -3795,6 +3796,218 @@
       </p:grpSpPr>
       <p:sp>
         <p:nvSpPr>
+          <p:cNvPr id="2" name="Прямоугольник 1"/>
+          <p:cNvSpPr/>
+          <p:nvPr/>
+        </p:nvSpPr>
+        <p:spPr>
+          <a:xfrm>
+            <a:off x="1108668" y="719521"/>
+            <a:ext cx="6096000" cy="2585323"/>
+          </a:xfrm>
+          <a:prstGeom prst="rect">
+            <a:avLst/>
+          </a:prstGeom>
+        </p:spPr>
+        <p:txBody>
+          <a:bodyPr>
+            <a:spAutoFit/>
+          </a:bodyPr>
+          <a:lstStyle/>
+          <a:p>
+            <a:r>
+              <a:rPr lang="en-US" dirty="0"/>
+              <a:t>-------------------------------------------</a:t>
+            </a:r>
+          </a:p>
+          <a:p>
+            <a:r>
+              <a:rPr lang="en-US" dirty="0"/>
+              <a:t>Batch: 1</a:t>
+            </a:r>
+          </a:p>
+          <a:p>
+            <a:r>
+              <a:rPr lang="en-US" dirty="0"/>
+              <a:t>-------------------------------------------</a:t>
+            </a:r>
+          </a:p>
+          <a:p>
+            <a:r>
+              <a:rPr lang="en-US" dirty="0"/>
+              <a:t>+-----+---+</a:t>
+            </a:r>
+          </a:p>
+          <a:p>
+            <a:r>
+              <a:rPr lang="en-US" dirty="0"/>
+              <a:t>|value| </a:t>
+            </a:r>
+            <a:r>
+              <a:rPr lang="en-US" dirty="0" err="1"/>
+              <a:t>ts</a:t>
+            </a:r>
+            <a:r>
+              <a:rPr lang="en-US" dirty="0"/>
+              <a:t>|</a:t>
+            </a:r>
+          </a:p>
+          <a:p>
+            <a:r>
+              <a:rPr lang="en-US" dirty="0"/>
+              <a:t>+-----+---+</a:t>
+            </a:r>
+          </a:p>
+          <a:p>
+            <a:r>
+              <a:rPr lang="en-US" dirty="0"/>
+              <a:t>|    1|  1|</a:t>
+            </a:r>
+          </a:p>
+          <a:p>
+            <a:r>
+              <a:rPr lang="en-US" dirty="0"/>
+              <a:t>|    2|  2|</a:t>
+            </a:r>
+          </a:p>
+          <a:p>
+            <a:r>
+              <a:rPr lang="en-US" dirty="0"/>
+              <a:t>+-----+---+</a:t>
+            </a:r>
+            <a:endParaRPr lang="ru-RU" dirty="0"/>
+          </a:p>
+        </p:txBody>
+      </p:sp>
+      <p:sp>
+        <p:nvSpPr>
+          <p:cNvPr id="3" name="Прямоугольник 2"/>
+          <p:cNvSpPr/>
+          <p:nvPr/>
+        </p:nvSpPr>
+        <p:spPr>
+          <a:xfrm>
+            <a:off x="1108668" y="3631365"/>
+            <a:ext cx="6096000" cy="2308324"/>
+          </a:xfrm>
+          <a:prstGeom prst="rect">
+            <a:avLst/>
+          </a:prstGeom>
+        </p:spPr>
+        <p:txBody>
+          <a:bodyPr>
+            <a:spAutoFit/>
+          </a:bodyPr>
+          <a:lstStyle/>
+          <a:p>
+            <a:r>
+              <a:rPr lang="ru-RU" dirty="0" err="1"/>
+              <a:t>Batch</a:t>
+            </a:r>
+            <a:r>
+              <a:rPr lang="ru-RU" dirty="0"/>
+              <a:t>: 4</a:t>
+            </a:r>
+          </a:p>
+          <a:p>
+            <a:r>
+              <a:rPr lang="ru-RU" dirty="0"/>
+              <a:t>-------------------------------------------</a:t>
+            </a:r>
+          </a:p>
+          <a:p>
+            <a:r>
+              <a:rPr lang="ru-RU" dirty="0"/>
+              <a:t>+-----+---+</a:t>
+            </a:r>
+          </a:p>
+          <a:p>
+            <a:r>
+              <a:rPr lang="ru-RU" dirty="0"/>
+              <a:t>|</a:t>
+            </a:r>
+            <a:r>
+              <a:rPr lang="ru-RU" dirty="0" err="1"/>
+              <a:t>value</a:t>
+            </a:r>
+            <a:r>
+              <a:rPr lang="ru-RU" dirty="0"/>
+              <a:t>| </a:t>
+            </a:r>
+            <a:r>
+              <a:rPr lang="ru-RU" dirty="0" err="1"/>
+              <a:t>ts</a:t>
+            </a:r>
+            <a:r>
+              <a:rPr lang="ru-RU" dirty="0"/>
+              <a:t>|</a:t>
+            </a:r>
+          </a:p>
+          <a:p>
+            <a:r>
+              <a:rPr lang="ru-RU" dirty="0"/>
+              <a:t>+-----+---+</a:t>
+            </a:r>
+          </a:p>
+          <a:p>
+            <a:r>
+              <a:rPr lang="ru-RU" dirty="0"/>
+              <a:t>|    1|  1|</a:t>
+            </a:r>
+          </a:p>
+          <a:p>
+            <a:r>
+              <a:rPr lang="ru-RU" dirty="0"/>
+              <a:t>|    2|  2|</a:t>
+            </a:r>
+          </a:p>
+          <a:p>
+            <a:r>
+              <a:rPr lang="ru-RU" dirty="0"/>
+              <a:t>+-----+---+</a:t>
+            </a:r>
+          </a:p>
+        </p:txBody>
+      </p:sp>
+    </p:spTree>
+    <p:extLst>
+      <p:ext uri="{BB962C8B-B14F-4D97-AF65-F5344CB8AC3E}">
+        <p14:creationId xmlns:p14="http://schemas.microsoft.com/office/powerpoint/2010/main" val="3912615266"/>
+      </p:ext>
+    </p:extLst>
+  </p:cSld>
+  <p:clrMapOvr>
+    <a:masterClrMapping/>
+  </p:clrMapOvr>
+  <p:timing>
+    <p:tnLst>
+      <p:par>
+        <p:cTn id="1" dur="indefinite" restart="never" nodeType="tmRoot"/>
+      </p:par>
+    </p:tnLst>
+  </p:timing>
+</p:sld>
+</file>
+
+<file path=ppt/slides/slide13.xml><?xml version="1.0" encoding="utf-8"?>
+<p:sld xmlns:a="http://schemas.openxmlformats.org/drawingml/2006/main" xmlns:r="http://schemas.openxmlformats.org/officeDocument/2006/relationships" xmlns:p="http://schemas.openxmlformats.org/presentationml/2006/main">
+  <p:cSld>
+    <p:spTree>
+      <p:nvGrpSpPr>
+        <p:cNvPr id="1" name=""/>
+        <p:cNvGrpSpPr/>
+        <p:nvPr/>
+      </p:nvGrpSpPr>
+      <p:grpSpPr>
+        <a:xfrm>
+          <a:off x="0" y="0"/>
+          <a:ext cx="0" cy="0"/>
+          <a:chOff x="0" y="0"/>
+          <a:chExt cx="0" cy="0"/>
+        </a:xfrm>
+      </p:grpSpPr>
+      <p:sp>
+        <p:nvSpPr>
           <p:cNvPr id="2" name="Заголовок 1"/>
           <p:cNvSpPr>
             <a:spLocks noGrp="1"/>
@@ -3900,7 +4113,7 @@
 </p:sld>
 </file>
 
-<file path=ppt/slides/slide13.xml><?xml version="1.0" encoding="utf-8"?>
+<file path=ppt/slides/slide14.xml><?xml version="1.0" encoding="utf-8"?>
 <p:sld xmlns:a="http://schemas.openxmlformats.org/drawingml/2006/main" xmlns:r="http://schemas.openxmlformats.org/officeDocument/2006/relationships" xmlns:p="http://schemas.openxmlformats.org/presentationml/2006/main">
   <p:cSld>
     <p:spTree>
@@ -5708,14 +5921,14 @@
       </p:grpSpPr>
       <p:sp>
         <p:nvSpPr>
-          <p:cNvPr id="2" name="Прямоугольник 1"/>
+          <p:cNvPr id="3" name="Прямоугольник 2"/>
           <p:cNvSpPr/>
           <p:nvPr/>
         </p:nvSpPr>
         <p:spPr>
           <a:xfrm>
-            <a:off x="0" y="0"/>
-            <a:ext cx="12192000" cy="7417415"/>
+            <a:off x="80387" y="0"/>
+            <a:ext cx="12191999" cy="6863417"/>
           </a:xfrm>
           <a:prstGeom prst="rect">
             <a:avLst/>
@@ -5728,250 +5941,381 @@
           <a:lstStyle/>
           <a:p>
             <a:r>
-              <a:rPr lang="en-US" sz="2800" dirty="0"/>
+              <a:rPr lang="en-US" sz="2000" dirty="0"/>
               <a:t>class </a:t>
             </a:r>
             <a:r>
-              <a:rPr lang="en-US" sz="2800" dirty="0" err="1"/>
+              <a:rPr lang="en-US" sz="2000" dirty="0" err="1"/>
               <a:t>ConstStreamMicroBatchStream</a:t>
             </a:r>
             <a:r>
-              <a:rPr lang="en-US" sz="2800" dirty="0"/>
+              <a:rPr lang="en-US" sz="2000" dirty="0"/>
               <a:t> extends </a:t>
             </a:r>
             <a:r>
-              <a:rPr lang="en-US" sz="2800" dirty="0" err="1"/>
+              <a:rPr lang="en-US" sz="2000" b="1" dirty="0" err="1"/>
               <a:t>MicroBatchStream</a:t>
             </a:r>
             <a:r>
-              <a:rPr lang="en-US" sz="2800" dirty="0"/>
+              <a:rPr lang="en-US" sz="2000" dirty="0"/>
               <a:t> {</a:t>
             </a:r>
           </a:p>
           <a:p>
             <a:r>
-              <a:rPr lang="en-US" sz="2800" dirty="0"/>
+              <a:rPr lang="en-US" sz="2000" dirty="0"/>
               <a:t>  </a:t>
             </a:r>
             <a:r>
-              <a:rPr lang="en-US" sz="2800" dirty="0" err="1"/>
+              <a:rPr lang="en-US" sz="2000" dirty="0" err="1"/>
               <a:t>var</a:t>
             </a:r>
             <a:r>
-              <a:rPr lang="en-US" sz="2800" dirty="0"/>
+              <a:rPr lang="en-US" sz="2000" dirty="0"/>
               <a:t> </a:t>
             </a:r>
             <a:r>
-              <a:rPr lang="en-US" sz="2800" dirty="0" err="1"/>
+              <a:rPr lang="en-US" sz="2000" dirty="0" err="1"/>
               <a:t>count:Long</a:t>
             </a:r>
             <a:r>
-              <a:rPr lang="en-US" sz="2800" dirty="0"/>
+              <a:rPr lang="en-US" sz="2000" dirty="0"/>
               <a:t> = 0</a:t>
             </a:r>
           </a:p>
           <a:p>
             <a:r>
-              <a:rPr lang="en-US" sz="2800" dirty="0"/>
+              <a:rPr lang="en-US" sz="2000" dirty="0"/>
               <a:t>  override </a:t>
             </a:r>
             <a:r>
-              <a:rPr lang="en-US" sz="2800" dirty="0" err="1"/>
+              <a:rPr lang="en-US" sz="2000" dirty="0" err="1"/>
               <a:t>def</a:t>
             </a:r>
             <a:r>
-              <a:rPr lang="en-US" sz="2800" dirty="0"/>
+              <a:rPr lang="en-US" sz="2000" dirty="0"/>
               <a:t> </a:t>
             </a:r>
             <a:r>
-              <a:rPr lang="en-US" sz="2800" dirty="0" err="1"/>
+              <a:rPr lang="en-US" sz="2000" dirty="0" err="1"/>
               <a:t>latestOffset</a:t>
             </a:r>
             <a:r>
-              <a:rPr lang="en-US" sz="2800" dirty="0"/>
+              <a:rPr lang="en-US" sz="2000" dirty="0"/>
               <a:t>(): Offset = { count +=1; </a:t>
             </a:r>
             <a:r>
-              <a:rPr lang="en-US" sz="2800" dirty="0" err="1"/>
+              <a:rPr lang="en-US" sz="2000" dirty="0" err="1"/>
               <a:t>LongOffset</a:t>
             </a:r>
             <a:r>
-              <a:rPr lang="en-US" sz="2800" dirty="0"/>
+              <a:rPr lang="en-US" sz="2000" dirty="0"/>
               <a:t>(count) }</a:t>
             </a:r>
           </a:p>
           <a:p>
-            <a:endParaRPr lang="en-US" sz="2800" dirty="0"/>
-          </a:p>
-          <a:p>
-            <a:r>
-              <a:rPr lang="en-US" sz="2800" dirty="0"/>
+            <a:endParaRPr lang="en-US" sz="2000" dirty="0"/>
+          </a:p>
+          <a:p>
+            <a:r>
+              <a:rPr lang="en-US" sz="2000" dirty="0"/>
               <a:t>  override </a:t>
             </a:r>
             <a:r>
-              <a:rPr lang="en-US" sz="2800" dirty="0" err="1"/>
+              <a:rPr lang="en-US" sz="2000" dirty="0" err="1"/>
               <a:t>def</a:t>
             </a:r>
             <a:r>
-              <a:rPr lang="en-US" sz="2800" dirty="0"/>
+              <a:rPr lang="en-US" sz="2000" dirty="0"/>
               <a:t> </a:t>
             </a:r>
             <a:r>
-              <a:rPr lang="en-US" sz="2800" dirty="0" err="1"/>
+              <a:rPr lang="en-US" sz="2000" dirty="0" err="1"/>
               <a:t>planInputPartitions</a:t>
             </a:r>
             <a:r>
-              <a:rPr lang="en-US" sz="2800" dirty="0"/>
+              <a:rPr lang="en-US" sz="2000" dirty="0"/>
               <a:t>(start: Offset, end: Offset): Array[</a:t>
             </a:r>
             <a:r>
-              <a:rPr lang="en-US" sz="2800" dirty="0" err="1"/>
+              <a:rPr lang="en-US" sz="2000" dirty="0" err="1"/>
               <a:t>InputPartition</a:t>
             </a:r>
             <a:r>
-              <a:rPr lang="en-US" sz="2800" dirty="0"/>
-              <a:t>] = ???</a:t>
-            </a:r>
-          </a:p>
-          <a:p>
-            <a:endParaRPr lang="en-US" sz="2800" dirty="0"/>
-          </a:p>
-          <a:p>
-            <a:r>
-              <a:rPr lang="en-US" sz="2800" dirty="0"/>
+              <a:rPr lang="en-US" sz="2000" dirty="0"/>
+              <a:t>] =  Array(</a:t>
+            </a:r>
+            <a:r>
+              <a:rPr lang="en-US" sz="2000" dirty="0" err="1"/>
+              <a:t>ConstStreamMicroBatchStreamInputPartition</a:t>
+            </a:r>
+            <a:r>
+              <a:rPr lang="en-US" sz="2000" dirty="0"/>
+              <a:t>(1))</a:t>
+            </a:r>
+          </a:p>
+          <a:p>
+            <a:endParaRPr lang="en-US" sz="2000" dirty="0"/>
+          </a:p>
+          <a:p>
+            <a:r>
+              <a:rPr lang="en-US" sz="2000" dirty="0"/>
               <a:t>  override </a:t>
             </a:r>
             <a:r>
-              <a:rPr lang="en-US" sz="2800" dirty="0" err="1"/>
+              <a:rPr lang="en-US" sz="2000" dirty="0" err="1"/>
               <a:t>def</a:t>
             </a:r>
             <a:r>
-              <a:rPr lang="en-US" sz="2800" dirty="0"/>
+              <a:rPr lang="en-US" sz="2000" dirty="0"/>
               <a:t> </a:t>
             </a:r>
             <a:r>
-              <a:rPr lang="en-US" sz="2800" dirty="0" err="1"/>
+              <a:rPr lang="en-US" sz="2000" dirty="0" err="1"/>
               <a:t>createReaderFactory</a:t>
             </a:r>
             <a:r>
-              <a:rPr lang="en-US" sz="2800" dirty="0"/>
+              <a:rPr lang="en-US" sz="2000" dirty="0"/>
               <a:t>(): </a:t>
             </a:r>
             <a:r>
-              <a:rPr lang="en-US" sz="2800" dirty="0" err="1"/>
+              <a:rPr lang="en-US" sz="2000" dirty="0" err="1"/>
               <a:t>PartitionReaderFactory</a:t>
             </a:r>
             <a:r>
-              <a:rPr lang="en-US" sz="2800" dirty="0"/>
-              <a:t> = ???</a:t>
-            </a:r>
-          </a:p>
-          <a:p>
-            <a:endParaRPr lang="en-US" sz="2800" dirty="0"/>
-          </a:p>
-          <a:p>
-            <a:r>
-              <a:rPr lang="en-US" sz="2800" dirty="0"/>
+              <a:rPr lang="en-US" sz="2000" dirty="0"/>
+              <a:t> = {</a:t>
+            </a:r>
+          </a:p>
+          <a:p>
+            <a:r>
+              <a:rPr lang="en-US" sz="2000" dirty="0"/>
+              <a:t>    new </a:t>
+            </a:r>
+            <a:r>
+              <a:rPr lang="en-US" sz="2000" dirty="0" err="1"/>
+              <a:t>PartitionReaderFactory</a:t>
+            </a:r>
+            <a:r>
+              <a:rPr lang="en-US" sz="2000" dirty="0"/>
+              <a:t>(){</a:t>
+            </a:r>
+          </a:p>
+          <a:p>
+            <a:r>
+              <a:rPr lang="en-US" sz="2000" dirty="0"/>
+              <a:t>      override </a:t>
+            </a:r>
+            <a:r>
+              <a:rPr lang="en-US" sz="2000" dirty="0" err="1"/>
+              <a:t>def</a:t>
+            </a:r>
+            <a:r>
+              <a:rPr lang="en-US" sz="2000" dirty="0"/>
+              <a:t> </a:t>
+            </a:r>
+            <a:r>
+              <a:rPr lang="en-US" sz="2000" dirty="0" err="1"/>
+              <a:t>createReader</a:t>
+            </a:r>
+            <a:r>
+              <a:rPr lang="en-US" sz="2000" dirty="0"/>
+              <a:t>(partition: </a:t>
+            </a:r>
+            <a:r>
+              <a:rPr lang="en-US" sz="2000" dirty="0" err="1"/>
+              <a:t>InputPartition</a:t>
+            </a:r>
+            <a:r>
+              <a:rPr lang="en-US" sz="2000" dirty="0"/>
+              <a:t>): </a:t>
+            </a:r>
+            <a:r>
+              <a:rPr lang="en-US" sz="2000" dirty="0" err="1"/>
+              <a:t>PartitionReader</a:t>
+            </a:r>
+            <a:r>
+              <a:rPr lang="en-US" sz="2000" dirty="0"/>
+              <a:t>[</a:t>
+            </a:r>
+            <a:r>
+              <a:rPr lang="en-US" sz="2000" dirty="0" err="1"/>
+              <a:t>InternalRow</a:t>
+            </a:r>
+            <a:r>
+              <a:rPr lang="en-US" sz="2000" dirty="0"/>
+              <a:t>] = {</a:t>
+            </a:r>
+          </a:p>
+          <a:p>
+            <a:r>
+              <a:rPr lang="en-US" sz="2000" dirty="0"/>
+              <a:t>        new </a:t>
+            </a:r>
+            <a:r>
+              <a:rPr lang="en-US" sz="2000" dirty="0" err="1"/>
+              <a:t>ConstStreamMicroBatchPartitionReader</a:t>
+            </a:r>
+            <a:r>
+              <a:rPr lang="en-US" sz="2000" dirty="0"/>
+              <a:t>()</a:t>
+            </a:r>
+          </a:p>
+          <a:p>
+            <a:r>
+              <a:rPr lang="en-US" sz="2000" dirty="0"/>
+              <a:t>      }</a:t>
+            </a:r>
+          </a:p>
+          <a:p>
+            <a:r>
+              <a:rPr lang="en-US" sz="2000" dirty="0"/>
+              <a:t>    }</a:t>
+            </a:r>
+          </a:p>
+          <a:p>
+            <a:r>
+              <a:rPr lang="en-US" sz="2000" dirty="0"/>
+              <a:t>  }</a:t>
+            </a:r>
+          </a:p>
+          <a:p>
+            <a:r>
+              <a:rPr lang="en-US" sz="2000" dirty="0" smtClean="0"/>
+              <a:t>  </a:t>
+            </a:r>
+            <a:r>
+              <a:rPr lang="en-US" sz="2000" dirty="0"/>
+              <a:t>override </a:t>
+            </a:r>
+            <a:r>
+              <a:rPr lang="en-US" sz="2000" dirty="0" err="1"/>
+              <a:t>def</a:t>
+            </a:r>
+            <a:r>
+              <a:rPr lang="en-US" sz="2000" dirty="0"/>
+              <a:t> </a:t>
+            </a:r>
+            <a:r>
+              <a:rPr lang="en-US" sz="2000" dirty="0" err="1"/>
+              <a:t>initialOffset</a:t>
+            </a:r>
+            <a:r>
+              <a:rPr lang="en-US" sz="2000" dirty="0"/>
+              <a:t>(): Offset = </a:t>
+            </a:r>
+            <a:r>
+              <a:rPr lang="en-US" sz="2000" dirty="0" err="1"/>
+              <a:t>LongOffset</a:t>
+            </a:r>
+            <a:r>
+              <a:rPr lang="en-US" sz="2000" dirty="0"/>
+              <a:t>(0)</a:t>
+            </a:r>
+          </a:p>
+          <a:p>
+            <a:endParaRPr lang="en-US" sz="2000" dirty="0"/>
+          </a:p>
+          <a:p>
+            <a:r>
+              <a:rPr lang="en-US" sz="2000" dirty="0"/>
               <a:t>  override </a:t>
             </a:r>
             <a:r>
-              <a:rPr lang="en-US" sz="2800" dirty="0" err="1"/>
+              <a:rPr lang="en-US" sz="2000" dirty="0" err="1"/>
               <a:t>def</a:t>
             </a:r>
             <a:r>
-              <a:rPr lang="en-US" sz="2800" dirty="0"/>
+              <a:rPr lang="en-US" sz="2000" dirty="0"/>
               <a:t> </a:t>
             </a:r>
             <a:r>
-              <a:rPr lang="en-US" sz="2800" dirty="0" err="1"/>
-              <a:t>initialOffset</a:t>
-            </a:r>
-            <a:r>
-              <a:rPr lang="en-US" sz="2800" dirty="0"/>
-              <a:t>(): Offset = </a:t>
-            </a:r>
-            <a:r>
-              <a:rPr lang="en-US" sz="2800" dirty="0" err="1"/>
+              <a:rPr lang="en-US" sz="2000" dirty="0" err="1"/>
+              <a:t>deserializeOffset</a:t>
+            </a:r>
+            <a:r>
+              <a:rPr lang="en-US" sz="2000" dirty="0"/>
+              <a:t>(</a:t>
+            </a:r>
+            <a:r>
+              <a:rPr lang="en-US" sz="2000" dirty="0" err="1"/>
+              <a:t>json</a:t>
+            </a:r>
+            <a:r>
+              <a:rPr lang="en-US" sz="2000" dirty="0"/>
+              <a:t>: String): Offset = {</a:t>
+            </a:r>
+          </a:p>
+          <a:p>
+            <a:r>
+              <a:rPr lang="en-US" sz="2000" dirty="0"/>
+              <a:t>    </a:t>
+            </a:r>
+            <a:r>
+              <a:rPr lang="en-US" sz="2000" dirty="0" err="1"/>
               <a:t>LongOffset</a:t>
             </a:r>
             <a:r>
-              <a:rPr lang="en-US" sz="2800" dirty="0"/>
-              <a:t>(0)</a:t>
-            </a:r>
-          </a:p>
-          <a:p>
-            <a:endParaRPr lang="en-US" sz="2800" dirty="0"/>
-          </a:p>
-          <a:p>
-            <a:r>
-              <a:rPr lang="en-US" sz="2800" dirty="0"/>
-              <a:t>  override </a:t>
-            </a:r>
-            <a:r>
-              <a:rPr lang="en-US" sz="2800" dirty="0" err="1"/>
+              <a:rPr lang="en-US" sz="2000" dirty="0"/>
+              <a:t>(</a:t>
+            </a:r>
+            <a:r>
+              <a:rPr lang="en-US" sz="2000" dirty="0" err="1"/>
+              <a:t>json.toLong</a:t>
+            </a:r>
+            <a:r>
+              <a:rPr lang="en-US" sz="2000" dirty="0"/>
+              <a:t>)</a:t>
+            </a:r>
+          </a:p>
+          <a:p>
+            <a:r>
+              <a:rPr lang="en-US" sz="2000" dirty="0"/>
+              <a:t>  }</a:t>
+            </a:r>
+          </a:p>
+          <a:p>
+            <a:r>
+              <a:rPr lang="en-US" sz="2000" dirty="0" smtClean="0"/>
+              <a:t>  </a:t>
+            </a:r>
+            <a:r>
+              <a:rPr lang="en-US" sz="2000" dirty="0"/>
+              <a:t>override </a:t>
+            </a:r>
+            <a:r>
+              <a:rPr lang="en-US" sz="2000" dirty="0" err="1"/>
               <a:t>def</a:t>
             </a:r>
             <a:r>
-              <a:rPr lang="en-US" sz="2800" dirty="0"/>
-              <a:t> </a:t>
-            </a:r>
-            <a:r>
-              <a:rPr lang="en-US" sz="2800" dirty="0" err="1"/>
-              <a:t>deserializeOffset</a:t>
-            </a:r>
-            <a:r>
-              <a:rPr lang="en-US" sz="2800" dirty="0"/>
-              <a:t>(</a:t>
-            </a:r>
-            <a:r>
-              <a:rPr lang="en-US" sz="2800" dirty="0" err="1"/>
-              <a:t>json</a:t>
-            </a:r>
-            <a:r>
-              <a:rPr lang="en-US" sz="2800" dirty="0"/>
-              <a:t>: String): Offset = ???</a:t>
-            </a:r>
-          </a:p>
-          <a:p>
-            <a:endParaRPr lang="en-US" sz="2800" dirty="0"/>
-          </a:p>
-          <a:p>
-            <a:r>
-              <a:rPr lang="en-US" sz="2800" dirty="0"/>
-              <a:t>  override </a:t>
-            </a:r>
-            <a:r>
-              <a:rPr lang="en-US" sz="2800" dirty="0" err="1"/>
+              <a:rPr lang="en-US" sz="2000" dirty="0"/>
+              <a:t> commit(end: Offset): Unit = {}</a:t>
+            </a:r>
+          </a:p>
+          <a:p>
+            <a:r>
+              <a:rPr lang="en-US" sz="2000" dirty="0" smtClean="0"/>
+              <a:t>  </a:t>
+            </a:r>
+            <a:r>
+              <a:rPr lang="en-US" sz="2000" dirty="0"/>
+              <a:t>override </a:t>
+            </a:r>
+            <a:r>
+              <a:rPr lang="en-US" sz="2000" dirty="0" err="1"/>
               <a:t>def</a:t>
             </a:r>
             <a:r>
-              <a:rPr lang="en-US" sz="2800" dirty="0"/>
-              <a:t> commit(end: Offset): Unit = ???</a:t>
-            </a:r>
-          </a:p>
-          <a:p>
-            <a:endParaRPr lang="en-US" sz="2800" dirty="0"/>
-          </a:p>
-          <a:p>
-            <a:r>
-              <a:rPr lang="en-US" sz="2800" dirty="0"/>
-              <a:t>  override </a:t>
-            </a:r>
-            <a:r>
-              <a:rPr lang="en-US" sz="2800" dirty="0" err="1"/>
-              <a:t>def</a:t>
-            </a:r>
-            <a:r>
-              <a:rPr lang="en-US" sz="2800" dirty="0"/>
+              <a:rPr lang="en-US" sz="2000" dirty="0"/>
               <a:t> stop(): Unit = ???</a:t>
             </a:r>
           </a:p>
           <a:p>
             <a:r>
-              <a:rPr lang="en-US" sz="2800" dirty="0"/>
+              <a:rPr lang="en-US" sz="2000" dirty="0"/>
               <a:t>}</a:t>
             </a:r>
-            <a:endParaRPr lang="ru-RU" sz="2800" dirty="0"/>
+            <a:endParaRPr lang="ru-RU" sz="2000" dirty="0"/>
           </a:p>
         </p:txBody>
       </p:sp>

--- a/Spark_Custom_Stream_Sources_v2.pptx
+++ b/Spark_Custom_Stream_Sources_v2.pptx
@@ -5,7 +5,7 @@
     <p:sldMasterId id="2147483648" r:id="rId1"/>
   </p:sldMasterIdLst>
   <p:notesMasterIdLst>
-    <p:notesMasterId r:id="rId16"/>
+    <p:notesMasterId r:id="rId20"/>
   </p:notesMasterIdLst>
   <p:sldIdLst>
     <p:sldId id="257" r:id="rId2"/>
@@ -15,13 +15,17 @@
     <p:sldId id="284" r:id="rId6"/>
     <p:sldId id="286" r:id="rId7"/>
     <p:sldId id="287" r:id="rId8"/>
-    <p:sldId id="288" r:id="rId9"/>
-    <p:sldId id="289" r:id="rId10"/>
-    <p:sldId id="290" r:id="rId11"/>
-    <p:sldId id="291" r:id="rId12"/>
-    <p:sldId id="292" r:id="rId13"/>
-    <p:sldId id="285" r:id="rId14"/>
-    <p:sldId id="270" r:id="rId15"/>
+    <p:sldId id="293" r:id="rId9"/>
+    <p:sldId id="294" r:id="rId10"/>
+    <p:sldId id="288" r:id="rId11"/>
+    <p:sldId id="295" r:id="rId12"/>
+    <p:sldId id="296" r:id="rId13"/>
+    <p:sldId id="289" r:id="rId14"/>
+    <p:sldId id="290" r:id="rId15"/>
+    <p:sldId id="291" r:id="rId16"/>
+    <p:sldId id="292" r:id="rId17"/>
+    <p:sldId id="285" r:id="rId18"/>
+    <p:sldId id="270" r:id="rId19"/>
   </p:sldIdLst>
   <p:sldSz cx="12192000" cy="6858000"/>
   <p:notesSz cx="6858000" cy="9144000"/>
@@ -210,7 +214,7 @@
           <a:p>
             <a:fld id="{6FE37721-1188-47D5-9044-022ECE8C9E54}" type="datetimeFigureOut">
               <a:rPr lang="ru-RU" smtClean="0"/>
-              <a:t>08.05.2021</a:t>
+              <a:t>13.05.2021</a:t>
             </a:fld>
             <a:endParaRPr lang="ru-RU"/>
           </a:p>
@@ -609,7 +613,7 @@
           <a:p>
             <a:fld id="{B7A4174B-3865-4C52-8BB2-B1080AE4813B}" type="datetimeFigureOut">
               <a:rPr lang="ru-RU" smtClean="0"/>
-              <a:t>08.05.2021</a:t>
+              <a:t>13.05.2021</a:t>
             </a:fld>
             <a:endParaRPr lang="ru-RU"/>
           </a:p>
@@ -779,7 +783,7 @@
           <a:p>
             <a:fld id="{B7A4174B-3865-4C52-8BB2-B1080AE4813B}" type="datetimeFigureOut">
               <a:rPr lang="ru-RU" smtClean="0"/>
-              <a:t>08.05.2021</a:t>
+              <a:t>13.05.2021</a:t>
             </a:fld>
             <a:endParaRPr lang="ru-RU"/>
           </a:p>
@@ -959,7 +963,7 @@
           <a:p>
             <a:fld id="{B7A4174B-3865-4C52-8BB2-B1080AE4813B}" type="datetimeFigureOut">
               <a:rPr lang="ru-RU" smtClean="0"/>
-              <a:t>08.05.2021</a:t>
+              <a:t>13.05.2021</a:t>
             </a:fld>
             <a:endParaRPr lang="ru-RU"/>
           </a:p>
@@ -1129,7 +1133,7 @@
           <a:p>
             <a:fld id="{B7A4174B-3865-4C52-8BB2-B1080AE4813B}" type="datetimeFigureOut">
               <a:rPr lang="ru-RU" smtClean="0"/>
-              <a:t>08.05.2021</a:t>
+              <a:t>13.05.2021</a:t>
             </a:fld>
             <a:endParaRPr lang="ru-RU"/>
           </a:p>
@@ -1375,7 +1379,7 @@
           <a:p>
             <a:fld id="{B7A4174B-3865-4C52-8BB2-B1080AE4813B}" type="datetimeFigureOut">
               <a:rPr lang="ru-RU" smtClean="0"/>
-              <a:t>08.05.2021</a:t>
+              <a:t>13.05.2021</a:t>
             </a:fld>
             <a:endParaRPr lang="ru-RU"/>
           </a:p>
@@ -1607,7 +1611,7 @@
           <a:p>
             <a:fld id="{B7A4174B-3865-4C52-8BB2-B1080AE4813B}" type="datetimeFigureOut">
               <a:rPr lang="ru-RU" smtClean="0"/>
-              <a:t>08.05.2021</a:t>
+              <a:t>13.05.2021</a:t>
             </a:fld>
             <a:endParaRPr lang="ru-RU"/>
           </a:p>
@@ -1974,7 +1978,7 @@
           <a:p>
             <a:fld id="{B7A4174B-3865-4C52-8BB2-B1080AE4813B}" type="datetimeFigureOut">
               <a:rPr lang="ru-RU" smtClean="0"/>
-              <a:t>08.05.2021</a:t>
+              <a:t>13.05.2021</a:t>
             </a:fld>
             <a:endParaRPr lang="ru-RU"/>
           </a:p>
@@ -2092,7 +2096,7 @@
           <a:p>
             <a:fld id="{B7A4174B-3865-4C52-8BB2-B1080AE4813B}" type="datetimeFigureOut">
               <a:rPr lang="ru-RU" smtClean="0"/>
-              <a:t>08.05.2021</a:t>
+              <a:t>13.05.2021</a:t>
             </a:fld>
             <a:endParaRPr lang="ru-RU"/>
           </a:p>
@@ -2187,7 +2191,7 @@
           <a:p>
             <a:fld id="{B7A4174B-3865-4C52-8BB2-B1080AE4813B}" type="datetimeFigureOut">
               <a:rPr lang="ru-RU" smtClean="0"/>
-              <a:t>08.05.2021</a:t>
+              <a:t>13.05.2021</a:t>
             </a:fld>
             <a:endParaRPr lang="ru-RU"/>
           </a:p>
@@ -2464,7 +2468,7 @@
           <a:p>
             <a:fld id="{B7A4174B-3865-4C52-8BB2-B1080AE4813B}" type="datetimeFigureOut">
               <a:rPr lang="ru-RU" smtClean="0"/>
-              <a:t>08.05.2021</a:t>
+              <a:t>13.05.2021</a:t>
             </a:fld>
             <a:endParaRPr lang="ru-RU"/>
           </a:p>
@@ -2717,7 +2721,7 @@
           <a:p>
             <a:fld id="{B7A4174B-3865-4C52-8BB2-B1080AE4813B}" type="datetimeFigureOut">
               <a:rPr lang="ru-RU" smtClean="0"/>
-              <a:t>08.05.2021</a:t>
+              <a:t>13.05.2021</a:t>
             </a:fld>
             <a:endParaRPr lang="ru-RU"/>
           </a:p>
@@ -2930,7 +2934,7 @@
           <a:p>
             <a:fld id="{B7A4174B-3865-4C52-8BB2-B1080AE4813B}" type="datetimeFigureOut">
               <a:rPr lang="ru-RU" smtClean="0"/>
-              <a:t>08.05.2021</a:t>
+              <a:t>13.05.2021</a:t>
             </a:fld>
             <a:endParaRPr lang="ru-RU"/>
           </a:p>
@@ -3498,14 +3502,14 @@
       </p:grpSpPr>
       <p:sp>
         <p:nvSpPr>
-          <p:cNvPr id="2" name="Прямоугольник 1"/>
+          <p:cNvPr id="4" name="Прямоугольник 3"/>
           <p:cNvSpPr/>
           <p:nvPr/>
         </p:nvSpPr>
         <p:spPr>
           <a:xfrm>
-            <a:off x="200967" y="3105835"/>
-            <a:ext cx="11991033" cy="369332"/>
+            <a:off x="0" y="175911"/>
+            <a:ext cx="12192000" cy="6863417"/>
           </a:xfrm>
           <a:prstGeom prst="rect">
             <a:avLst/>
@@ -3518,45 +3522,418 @@
           <a:lstStyle/>
           <a:p>
             <a:r>
-              <a:rPr lang="en-US" dirty="0"/>
-              <a:t>case class </a:t>
-            </a:r>
-            <a:r>
-              <a:rPr lang="en-US" dirty="0" err="1"/>
-              <a:t>ConstStreamMicroBatchStreamInputPartition</a:t>
-            </a:r>
-            <a:r>
-              <a:rPr lang="en-US" dirty="0"/>
-              <a:t> (</a:t>
-            </a:r>
-            <a:r>
-              <a:rPr lang="en-US" dirty="0" err="1"/>
-              <a:t>partitionId</a:t>
-            </a:r>
-            <a:r>
-              <a:rPr lang="en-US" dirty="0"/>
-              <a:t>: </a:t>
-            </a:r>
-            <a:r>
-              <a:rPr lang="en-US" dirty="0" err="1"/>
-              <a:t>Int</a:t>
-            </a:r>
-            <a:r>
-              <a:rPr lang="en-US" dirty="0"/>
-              <a:t>) extends </a:t>
-            </a:r>
-            <a:r>
-              <a:rPr lang="en-US" dirty="0" err="1"/>
-              <a:t>InputPartition</a:t>
-            </a:r>
-            <a:endParaRPr lang="ru-RU" dirty="0"/>
+              <a:rPr lang="en-US" sz="2000" dirty="0"/>
+              <a:t>class </a:t>
+            </a:r>
+            <a:r>
+              <a:rPr lang="en-US" sz="2000" b="1" dirty="0" err="1"/>
+              <a:t>ConstStreamTable</a:t>
+            </a:r>
+            <a:r>
+              <a:rPr lang="en-US" sz="2000" dirty="0"/>
+              <a:t>  extends </a:t>
+            </a:r>
+            <a:r>
+              <a:rPr lang="en-US" sz="2000" b="1" dirty="0"/>
+              <a:t>Table</a:t>
+            </a:r>
+            <a:r>
+              <a:rPr lang="en-US" sz="2000" dirty="0"/>
+              <a:t> with </a:t>
+            </a:r>
+            <a:r>
+              <a:rPr lang="en-US" sz="2000" b="1" dirty="0" err="1"/>
+              <a:t>SupportsRead</a:t>
+            </a:r>
+            <a:r>
+              <a:rPr lang="en-US" sz="2000" dirty="0"/>
+              <a:t> {</a:t>
+            </a:r>
+          </a:p>
+          <a:p>
+            <a:r>
+              <a:rPr lang="en-US" sz="2000" dirty="0"/>
+              <a:t>  override </a:t>
+            </a:r>
+            <a:r>
+              <a:rPr lang="en-US" sz="2000" dirty="0" err="1"/>
+              <a:t>def</a:t>
+            </a:r>
+            <a:r>
+              <a:rPr lang="en-US" sz="2000" dirty="0"/>
+              <a:t> name(): String = ???</a:t>
+            </a:r>
+          </a:p>
+          <a:p>
+            <a:endParaRPr lang="en-US" sz="2000" dirty="0"/>
+          </a:p>
+          <a:p>
+            <a:r>
+              <a:rPr lang="en-US" sz="2000" dirty="0"/>
+              <a:t>  </a:t>
+            </a:r>
+            <a:r>
+              <a:rPr lang="en-US" sz="2000" b="1" dirty="0"/>
+              <a:t>override </a:t>
+            </a:r>
+            <a:r>
+              <a:rPr lang="en-US" sz="2000" b="1" dirty="0" err="1"/>
+              <a:t>def</a:t>
+            </a:r>
+            <a:r>
+              <a:rPr lang="en-US" sz="2000" b="1" dirty="0"/>
+              <a:t> schema(): </a:t>
+            </a:r>
+            <a:r>
+              <a:rPr lang="en-US" sz="2000" b="1" dirty="0" err="1"/>
+              <a:t>StructType</a:t>
+            </a:r>
+            <a:r>
+              <a:rPr lang="en-US" sz="2000" b="1" dirty="0"/>
+              <a:t> = </a:t>
+            </a:r>
+            <a:r>
+              <a:rPr lang="en-US" sz="2000" b="1" dirty="0" err="1"/>
+              <a:t>ConstStreamTable.SCHEMA</a:t>
+            </a:r>
+            <a:endParaRPr lang="en-US" sz="2000" b="1" dirty="0"/>
+          </a:p>
+          <a:p>
+            <a:endParaRPr lang="en-US" sz="2000" dirty="0"/>
+          </a:p>
+          <a:p>
+            <a:r>
+              <a:rPr lang="en-US" sz="2000" dirty="0"/>
+              <a:t>  override </a:t>
+            </a:r>
+            <a:r>
+              <a:rPr lang="en-US" sz="2000" dirty="0" err="1"/>
+              <a:t>def</a:t>
+            </a:r>
+            <a:r>
+              <a:rPr lang="en-US" sz="2000" dirty="0"/>
+              <a:t> </a:t>
+            </a:r>
+            <a:r>
+              <a:rPr lang="en-US" sz="2000" dirty="0" err="1"/>
+              <a:t>newScanBuilder</a:t>
+            </a:r>
+            <a:r>
+              <a:rPr lang="en-US" sz="2000" dirty="0"/>
+              <a:t>(options: </a:t>
+            </a:r>
+            <a:r>
+              <a:rPr lang="en-US" sz="2000" dirty="0" err="1"/>
+              <a:t>CaseInsensitiveStringMap</a:t>
+            </a:r>
+            <a:r>
+              <a:rPr lang="en-US" sz="2000" dirty="0"/>
+              <a:t>): </a:t>
+            </a:r>
+            <a:r>
+              <a:rPr lang="en-US" sz="2000" dirty="0" err="1"/>
+              <a:t>ScanBuilder</a:t>
+            </a:r>
+            <a:r>
+              <a:rPr lang="en-US" sz="2000" dirty="0"/>
+              <a:t> = () =&gt; new Scan {</a:t>
+            </a:r>
+          </a:p>
+          <a:p>
+            <a:r>
+              <a:rPr lang="en-US" sz="2000" dirty="0"/>
+              <a:t>    override </a:t>
+            </a:r>
+            <a:r>
+              <a:rPr lang="en-US" sz="2000" dirty="0" err="1"/>
+              <a:t>def</a:t>
+            </a:r>
+            <a:r>
+              <a:rPr lang="en-US" sz="2000" dirty="0"/>
+              <a:t> </a:t>
+            </a:r>
+            <a:r>
+              <a:rPr lang="en-US" sz="2000" dirty="0" err="1"/>
+              <a:t>readSchema</a:t>
+            </a:r>
+            <a:r>
+              <a:rPr lang="en-US" sz="2000" dirty="0"/>
+              <a:t>(): </a:t>
+            </a:r>
+            <a:r>
+              <a:rPr lang="en-US" sz="2000" dirty="0" err="1"/>
+              <a:t>StructType</a:t>
+            </a:r>
+            <a:r>
+              <a:rPr lang="en-US" sz="2000" dirty="0"/>
+              <a:t> = </a:t>
+            </a:r>
+            <a:r>
+              <a:rPr lang="en-US" sz="2000" dirty="0" err="1"/>
+              <a:t>ConstStreamTable.SCHEMA</a:t>
+            </a:r>
+            <a:endParaRPr lang="en-US" sz="2000" dirty="0"/>
+          </a:p>
+          <a:p>
+            <a:endParaRPr lang="en-US" sz="2000" dirty="0"/>
+          </a:p>
+          <a:p>
+            <a:r>
+              <a:rPr lang="en-US" sz="2000" b="1" dirty="0"/>
+              <a:t>    override </a:t>
+            </a:r>
+            <a:r>
+              <a:rPr lang="en-US" sz="2000" b="1" dirty="0" err="1"/>
+              <a:t>def</a:t>
+            </a:r>
+            <a:r>
+              <a:rPr lang="en-US" sz="2000" b="1" dirty="0"/>
+              <a:t> </a:t>
+            </a:r>
+            <a:r>
+              <a:rPr lang="en-US" sz="2000" b="1" dirty="0" err="1"/>
+              <a:t>toMicroBatchStream</a:t>
+            </a:r>
+            <a:r>
+              <a:rPr lang="en-US" sz="2000" b="1" dirty="0"/>
+              <a:t>(</a:t>
+            </a:r>
+            <a:r>
+              <a:rPr lang="en-US" sz="2000" b="1" dirty="0" err="1"/>
+              <a:t>checkpointLocation</a:t>
+            </a:r>
+            <a:r>
+              <a:rPr lang="en-US" sz="2000" b="1" dirty="0"/>
+              <a:t>: String): </a:t>
+            </a:r>
+            <a:r>
+              <a:rPr lang="en-US" sz="2000" b="1" dirty="0" err="1"/>
+              <a:t>MicroBatchStream</a:t>
+            </a:r>
+            <a:r>
+              <a:rPr lang="en-US" sz="2000" b="1" dirty="0"/>
+              <a:t> = new </a:t>
+            </a:r>
+            <a:r>
+              <a:rPr lang="en-US" sz="2000" b="1" dirty="0" err="1"/>
+              <a:t>ConstStreamMicroBatchStream</a:t>
+            </a:r>
+            <a:r>
+              <a:rPr lang="en-US" sz="2000" b="1" dirty="0"/>
+              <a:t>()</a:t>
+            </a:r>
+          </a:p>
+          <a:p>
+            <a:endParaRPr lang="en-US" sz="2000" dirty="0"/>
+          </a:p>
+          <a:p>
+            <a:r>
+              <a:rPr lang="en-US" sz="2000" dirty="0"/>
+              <a:t>    override </a:t>
+            </a:r>
+            <a:r>
+              <a:rPr lang="en-US" sz="2000" dirty="0" err="1"/>
+              <a:t>def</a:t>
+            </a:r>
+            <a:r>
+              <a:rPr lang="en-US" sz="2000" dirty="0"/>
+              <a:t> </a:t>
+            </a:r>
+            <a:r>
+              <a:rPr lang="en-US" sz="2000" dirty="0" err="1"/>
+              <a:t>toContinuousStream</a:t>
+            </a:r>
+            <a:r>
+              <a:rPr lang="en-US" sz="2000" dirty="0"/>
+              <a:t>(</a:t>
+            </a:r>
+            <a:r>
+              <a:rPr lang="en-US" sz="2000" dirty="0" err="1"/>
+              <a:t>checkpointLocation</a:t>
+            </a:r>
+            <a:r>
+              <a:rPr lang="en-US" sz="2000" dirty="0"/>
+              <a:t>: String): </a:t>
+            </a:r>
+            <a:r>
+              <a:rPr lang="en-US" sz="2000" dirty="0" err="1"/>
+              <a:t>ContinuousStream</a:t>
+            </a:r>
+            <a:r>
+              <a:rPr lang="en-US" sz="2000" dirty="0"/>
+              <a:t> = ???</a:t>
+            </a:r>
+          </a:p>
+          <a:p>
+            <a:r>
+              <a:rPr lang="en-US" sz="2000" dirty="0"/>
+              <a:t>  </a:t>
+            </a:r>
+            <a:r>
+              <a:rPr lang="en-US" sz="2000" dirty="0" smtClean="0"/>
+              <a:t>}</a:t>
+            </a:r>
+          </a:p>
+          <a:p>
+            <a:endParaRPr lang="en-US" sz="2000" dirty="0"/>
+          </a:p>
+          <a:p>
+            <a:r>
+              <a:rPr lang="en-US" sz="2000" dirty="0"/>
+              <a:t>  </a:t>
+            </a:r>
+            <a:r>
+              <a:rPr lang="en-US" sz="2000" b="1" dirty="0"/>
+              <a:t>override </a:t>
+            </a:r>
+            <a:r>
+              <a:rPr lang="en-US" sz="2000" b="1" dirty="0" err="1"/>
+              <a:t>def</a:t>
+            </a:r>
+            <a:r>
+              <a:rPr lang="en-US" sz="2000" b="1" dirty="0"/>
+              <a:t> capabilities(): </a:t>
+            </a:r>
+            <a:r>
+              <a:rPr lang="en-US" sz="2000" b="1" dirty="0" err="1"/>
+              <a:t>util.Set</a:t>
+            </a:r>
+            <a:r>
+              <a:rPr lang="en-US" sz="2000" b="1" dirty="0"/>
+              <a:t>[</a:t>
+            </a:r>
+            <a:r>
+              <a:rPr lang="en-US" sz="2000" b="1" dirty="0" err="1"/>
+              <a:t>TableCapability</a:t>
+            </a:r>
+            <a:r>
+              <a:rPr lang="en-US" sz="2000" b="1" dirty="0"/>
+              <a:t>] = {</a:t>
+            </a:r>
+          </a:p>
+          <a:p>
+            <a:r>
+              <a:rPr lang="en-US" sz="2000" b="1" dirty="0"/>
+              <a:t>    Set(</a:t>
+            </a:r>
+            <a:r>
+              <a:rPr lang="en-US" sz="2000" b="1" dirty="0" err="1"/>
+              <a:t>TableCapability.MICRO_BATCH_READ</a:t>
+            </a:r>
+            <a:r>
+              <a:rPr lang="en-US" sz="2000" b="1" dirty="0"/>
+              <a:t>).</a:t>
+            </a:r>
+            <a:r>
+              <a:rPr lang="en-US" sz="2000" b="1" dirty="0" err="1"/>
+              <a:t>asJava</a:t>
+            </a:r>
+            <a:endParaRPr lang="en-US" sz="2000" b="1" dirty="0"/>
+          </a:p>
+          <a:p>
+            <a:r>
+              <a:rPr lang="en-US" sz="2000" b="1" dirty="0"/>
+              <a:t>  </a:t>
+            </a:r>
+            <a:r>
+              <a:rPr lang="en-US" sz="2000" b="1" dirty="0" smtClean="0"/>
+              <a:t>}</a:t>
+            </a:r>
+            <a:endParaRPr lang="en-US" sz="2000" b="1" dirty="0"/>
+          </a:p>
+          <a:p>
+            <a:r>
+              <a:rPr lang="en-US" sz="2000" dirty="0"/>
+              <a:t>}</a:t>
+            </a:r>
+          </a:p>
+          <a:p>
+            <a:r>
+              <a:rPr lang="en-US" sz="2000" dirty="0"/>
+              <a:t>object </a:t>
+            </a:r>
+            <a:r>
+              <a:rPr lang="en-US" sz="2000" dirty="0" err="1"/>
+              <a:t>ConstStreamTable</a:t>
+            </a:r>
+            <a:r>
+              <a:rPr lang="en-US" sz="2000" dirty="0"/>
+              <a:t> {</a:t>
+            </a:r>
+          </a:p>
+          <a:p>
+            <a:r>
+              <a:rPr lang="en-US" sz="2000" dirty="0"/>
+              <a:t>  </a:t>
+            </a:r>
+            <a:r>
+              <a:rPr lang="en-US" sz="2000" b="1" dirty="0" err="1"/>
+              <a:t>val</a:t>
+            </a:r>
+            <a:r>
+              <a:rPr lang="en-US" sz="2000" b="1" dirty="0"/>
+              <a:t> SCHEMA =</a:t>
+            </a:r>
+          </a:p>
+          <a:p>
+            <a:r>
+              <a:rPr lang="en-US" sz="2000" b="1" dirty="0"/>
+              <a:t>    </a:t>
+            </a:r>
+            <a:r>
+              <a:rPr lang="en-US" sz="2000" b="1" dirty="0" err="1"/>
+              <a:t>StructType</a:t>
+            </a:r>
+            <a:r>
+              <a:rPr lang="en-US" sz="2000" b="1" dirty="0"/>
+              <a:t>(</a:t>
+            </a:r>
+            <a:r>
+              <a:rPr lang="en-US" sz="2000" b="1" dirty="0" err="1"/>
+              <a:t>StructField</a:t>
+            </a:r>
+            <a:r>
+              <a:rPr lang="en-US" sz="2000" b="1" dirty="0"/>
+              <a:t>("id", </a:t>
+            </a:r>
+            <a:r>
+              <a:rPr lang="en-US" sz="2000" b="1" dirty="0" err="1"/>
+              <a:t>LongType</a:t>
+            </a:r>
+            <a:r>
+              <a:rPr lang="en-US" sz="2000" b="1" dirty="0"/>
+              <a:t>) :: </a:t>
+            </a:r>
+            <a:r>
+              <a:rPr lang="en-US" sz="2000" b="1" dirty="0" err="1"/>
+              <a:t>StructField</a:t>
+            </a:r>
+            <a:r>
+              <a:rPr lang="en-US" sz="2000" b="1" dirty="0"/>
+              <a:t>("value", </a:t>
+            </a:r>
+            <a:r>
+              <a:rPr lang="en-US" sz="2000" b="1" dirty="0" err="1"/>
+              <a:t>LongType</a:t>
+            </a:r>
+            <a:r>
+              <a:rPr lang="en-US" sz="2000" b="1" dirty="0"/>
+              <a:t>) :: Nil)</a:t>
+            </a:r>
+          </a:p>
+          <a:p>
+            <a:r>
+              <a:rPr lang="en-US" sz="2000" dirty="0"/>
+              <a:t>}</a:t>
+            </a:r>
+            <a:endParaRPr lang="ru-RU" sz="2000" dirty="0"/>
           </a:p>
         </p:txBody>
       </p:sp>
     </p:spTree>
     <p:extLst>
       <p:ext uri="{BB962C8B-B14F-4D97-AF65-F5344CB8AC3E}">
-        <p14:creationId xmlns:p14="http://schemas.microsoft.com/office/powerpoint/2010/main" val="1405777702"/>
+        <p14:creationId xmlns:p14="http://schemas.microsoft.com/office/powerpoint/2010/main" val="2105238465"/>
       </p:ext>
     </p:extLst>
   </p:cSld>
@@ -3592,6 +3969,856 @@
       </p:grpSpPr>
       <p:sp>
         <p:nvSpPr>
+          <p:cNvPr id="3" name="Прямоугольник 2"/>
+          <p:cNvSpPr/>
+          <p:nvPr/>
+        </p:nvSpPr>
+        <p:spPr>
+          <a:xfrm>
+            <a:off x="462224" y="1443841"/>
+            <a:ext cx="8681776" cy="3416320"/>
+          </a:xfrm>
+          <a:prstGeom prst="rect">
+            <a:avLst/>
+          </a:prstGeom>
+        </p:spPr>
+        <p:txBody>
+          <a:bodyPr wrap="square">
+            <a:spAutoFit/>
+          </a:bodyPr>
+          <a:lstStyle/>
+          <a:p>
+            <a:r>
+              <a:rPr lang="en-US" dirty="0"/>
+              <a:t>public interface </a:t>
+            </a:r>
+            <a:r>
+              <a:rPr lang="en-US" dirty="0" err="1"/>
+              <a:t>SupportsRead</a:t>
+            </a:r>
+            <a:r>
+              <a:rPr lang="en-US" dirty="0"/>
+              <a:t> extends Table {</a:t>
+            </a:r>
+          </a:p>
+          <a:p>
+            <a:endParaRPr lang="en-US" dirty="0"/>
+          </a:p>
+          <a:p>
+            <a:r>
+              <a:rPr lang="en-US" dirty="0"/>
+              <a:t>  /**</a:t>
+            </a:r>
+          </a:p>
+          <a:p>
+            <a:r>
+              <a:rPr lang="en-US" dirty="0"/>
+              <a:t>   * Returns a {@link </a:t>
+            </a:r>
+            <a:r>
+              <a:rPr lang="en-US" dirty="0" err="1"/>
+              <a:t>ScanBuilder</a:t>
+            </a:r>
+            <a:r>
+              <a:rPr lang="en-US" dirty="0"/>
+              <a:t>} which can be used to build a {@link Scan}. Spark will call this</a:t>
+            </a:r>
+          </a:p>
+          <a:p>
+            <a:r>
+              <a:rPr lang="en-US" dirty="0"/>
+              <a:t>   * method to configure each data source scan.</a:t>
+            </a:r>
+          </a:p>
+          <a:p>
+            <a:r>
+              <a:rPr lang="en-US" dirty="0"/>
+              <a:t>   *</a:t>
+            </a:r>
+          </a:p>
+          <a:p>
+            <a:r>
+              <a:rPr lang="en-US" dirty="0"/>
+              <a:t>   * @</a:t>
+            </a:r>
+            <a:r>
+              <a:rPr lang="en-US" dirty="0" err="1"/>
+              <a:t>param</a:t>
+            </a:r>
+            <a:r>
+              <a:rPr lang="en-US" dirty="0"/>
+              <a:t> options The options for reading, which is an immutable case-insensitive</a:t>
+            </a:r>
+          </a:p>
+          <a:p>
+            <a:r>
+              <a:rPr lang="en-US" dirty="0"/>
+              <a:t>   *                string-to-string map.</a:t>
+            </a:r>
+          </a:p>
+          <a:p>
+            <a:r>
+              <a:rPr lang="en-US" dirty="0"/>
+              <a:t>   */</a:t>
+            </a:r>
+          </a:p>
+          <a:p>
+            <a:r>
+              <a:rPr lang="en-US" dirty="0"/>
+              <a:t>  </a:t>
+            </a:r>
+            <a:r>
+              <a:rPr lang="en-US" dirty="0" err="1"/>
+              <a:t>ScanBuilder</a:t>
+            </a:r>
+            <a:r>
+              <a:rPr lang="en-US" dirty="0"/>
+              <a:t> </a:t>
+            </a:r>
+            <a:r>
+              <a:rPr lang="en-US" dirty="0" err="1"/>
+              <a:t>newScanBuilder</a:t>
+            </a:r>
+            <a:r>
+              <a:rPr lang="en-US" dirty="0"/>
+              <a:t>(</a:t>
+            </a:r>
+            <a:r>
+              <a:rPr lang="en-US" dirty="0" err="1"/>
+              <a:t>CaseInsensitiveStringMap</a:t>
+            </a:r>
+            <a:r>
+              <a:rPr lang="en-US" dirty="0"/>
+              <a:t> options);</a:t>
+            </a:r>
+          </a:p>
+          <a:p>
+            <a:r>
+              <a:rPr lang="en-US" dirty="0"/>
+              <a:t>}</a:t>
+            </a:r>
+          </a:p>
+        </p:txBody>
+      </p:sp>
+    </p:spTree>
+    <p:extLst>
+      <p:ext uri="{BB962C8B-B14F-4D97-AF65-F5344CB8AC3E}">
+        <p14:creationId xmlns:p14="http://schemas.microsoft.com/office/powerpoint/2010/main" val="1751419559"/>
+      </p:ext>
+    </p:extLst>
+  </p:cSld>
+  <p:clrMapOvr>
+    <a:masterClrMapping/>
+  </p:clrMapOvr>
+</p:sld>
+</file>
+
+<file path=ppt/slides/slide12.xml><?xml version="1.0" encoding="utf-8"?>
+<p:sld xmlns:a="http://schemas.openxmlformats.org/drawingml/2006/main" xmlns:r="http://schemas.openxmlformats.org/officeDocument/2006/relationships" xmlns:p="http://schemas.openxmlformats.org/presentationml/2006/main">
+  <p:cSld>
+    <p:spTree>
+      <p:nvGrpSpPr>
+        <p:cNvPr id="1" name=""/>
+        <p:cNvGrpSpPr/>
+        <p:nvPr/>
+      </p:nvGrpSpPr>
+      <p:grpSpPr>
+        <a:xfrm>
+          <a:off x="0" y="0"/>
+          <a:ext cx="0" cy="0"/>
+          <a:chOff x="0" y="0"/>
+          <a:chExt cx="0" cy="0"/>
+        </a:xfrm>
+      </p:grpSpPr>
+      <p:sp>
+        <p:nvSpPr>
+          <p:cNvPr id="2" name="Прямоугольник 1"/>
+          <p:cNvSpPr/>
+          <p:nvPr/>
+        </p:nvSpPr>
+        <p:spPr>
+          <a:xfrm>
+            <a:off x="3048000" y="1582341"/>
+            <a:ext cx="6096000" cy="3693319"/>
+          </a:xfrm>
+          <a:prstGeom prst="rect">
+            <a:avLst/>
+          </a:prstGeom>
+        </p:spPr>
+        <p:txBody>
+          <a:bodyPr>
+            <a:spAutoFit/>
+          </a:bodyPr>
+          <a:lstStyle/>
+          <a:p>
+            <a:r>
+              <a:rPr lang="en-US" dirty="0"/>
+              <a:t>/**</a:t>
+            </a:r>
+          </a:p>
+          <a:p>
+            <a:r>
+              <a:rPr lang="en-US" dirty="0"/>
+              <a:t> * An interface for building the {@link Scan}. Implementations can </a:t>
+            </a:r>
+            <a:r>
+              <a:rPr lang="en-US" dirty="0" err="1"/>
+              <a:t>mixin</a:t>
+            </a:r>
+            <a:r>
+              <a:rPr lang="en-US" dirty="0"/>
+              <a:t> </a:t>
+            </a:r>
+            <a:r>
+              <a:rPr lang="en-US" dirty="0" err="1"/>
+              <a:t>SupportsPushDownXYZ</a:t>
+            </a:r>
+            <a:endParaRPr lang="en-US" dirty="0"/>
+          </a:p>
+          <a:p>
+            <a:r>
+              <a:rPr lang="en-US" dirty="0"/>
+              <a:t> * interfaces to do operator pushdown, and keep the operator pushdown result in the returned</a:t>
+            </a:r>
+          </a:p>
+          <a:p>
+            <a:r>
+              <a:rPr lang="en-US" dirty="0"/>
+              <a:t> * {@link Scan}.</a:t>
+            </a:r>
+          </a:p>
+          <a:p>
+            <a:r>
+              <a:rPr lang="en-US" dirty="0"/>
+              <a:t> *</a:t>
+            </a:r>
+          </a:p>
+          <a:p>
+            <a:r>
+              <a:rPr lang="en-US" dirty="0"/>
+              <a:t> * @since 3.0.0</a:t>
+            </a:r>
+          </a:p>
+          <a:p>
+            <a:r>
+              <a:rPr lang="en-US" dirty="0"/>
+              <a:t> */</a:t>
+            </a:r>
+          </a:p>
+          <a:p>
+            <a:r>
+              <a:rPr lang="en-US" dirty="0"/>
+              <a:t>@Evolving</a:t>
+            </a:r>
+          </a:p>
+          <a:p>
+            <a:r>
+              <a:rPr lang="en-US" dirty="0"/>
+              <a:t>public interface </a:t>
+            </a:r>
+            <a:r>
+              <a:rPr lang="en-US" dirty="0" err="1"/>
+              <a:t>ScanBuilder</a:t>
+            </a:r>
+            <a:r>
+              <a:rPr lang="en-US" dirty="0"/>
+              <a:t> {</a:t>
+            </a:r>
+          </a:p>
+          <a:p>
+            <a:r>
+              <a:rPr lang="en-US" dirty="0"/>
+              <a:t>  Scan build();</a:t>
+            </a:r>
+          </a:p>
+          <a:p>
+            <a:r>
+              <a:rPr lang="en-US" dirty="0"/>
+              <a:t>}</a:t>
+            </a:r>
+            <a:endParaRPr lang="ru-RU" dirty="0"/>
+          </a:p>
+        </p:txBody>
+      </p:sp>
+    </p:spTree>
+    <p:extLst>
+      <p:ext uri="{BB962C8B-B14F-4D97-AF65-F5344CB8AC3E}">
+        <p14:creationId xmlns:p14="http://schemas.microsoft.com/office/powerpoint/2010/main" val="2680395496"/>
+      </p:ext>
+    </p:extLst>
+  </p:cSld>
+  <p:clrMapOvr>
+    <a:masterClrMapping/>
+  </p:clrMapOvr>
+</p:sld>
+</file>
+
+<file path=ppt/slides/slide13.xml><?xml version="1.0" encoding="utf-8"?>
+<p:sld xmlns:a="http://schemas.openxmlformats.org/drawingml/2006/main" xmlns:r="http://schemas.openxmlformats.org/officeDocument/2006/relationships" xmlns:p="http://schemas.openxmlformats.org/presentationml/2006/main">
+  <p:cSld>
+    <p:spTree>
+      <p:nvGrpSpPr>
+        <p:cNvPr id="1" name=""/>
+        <p:cNvGrpSpPr/>
+        <p:nvPr/>
+      </p:nvGrpSpPr>
+      <p:grpSpPr>
+        <a:xfrm>
+          <a:off x="0" y="0"/>
+          <a:ext cx="0" cy="0"/>
+          <a:chOff x="0" y="0"/>
+          <a:chExt cx="0" cy="0"/>
+        </a:xfrm>
+      </p:grpSpPr>
+      <p:sp>
+        <p:nvSpPr>
+          <p:cNvPr id="3" name="Прямоугольник 2"/>
+          <p:cNvSpPr/>
+          <p:nvPr/>
+        </p:nvSpPr>
+        <p:spPr>
+          <a:xfrm>
+            <a:off x="80387" y="0"/>
+            <a:ext cx="12191999" cy="6863417"/>
+          </a:xfrm>
+          <a:prstGeom prst="rect">
+            <a:avLst/>
+          </a:prstGeom>
+        </p:spPr>
+        <p:txBody>
+          <a:bodyPr wrap="square">
+            <a:spAutoFit/>
+          </a:bodyPr>
+          <a:lstStyle/>
+          <a:p>
+            <a:r>
+              <a:rPr lang="en-US" sz="2000" dirty="0"/>
+              <a:t>class </a:t>
+            </a:r>
+            <a:r>
+              <a:rPr lang="en-US" sz="2000" dirty="0" err="1"/>
+              <a:t>ConstStreamMicroBatchStream</a:t>
+            </a:r>
+            <a:r>
+              <a:rPr lang="en-US" sz="2000" dirty="0"/>
+              <a:t> extends </a:t>
+            </a:r>
+            <a:r>
+              <a:rPr lang="en-US" sz="2000" b="1" dirty="0" err="1"/>
+              <a:t>MicroBatchStream</a:t>
+            </a:r>
+            <a:r>
+              <a:rPr lang="en-US" sz="2000" dirty="0"/>
+              <a:t> {</a:t>
+            </a:r>
+          </a:p>
+          <a:p>
+            <a:r>
+              <a:rPr lang="en-US" sz="2000" dirty="0"/>
+              <a:t>  </a:t>
+            </a:r>
+            <a:r>
+              <a:rPr lang="en-US" sz="2000" dirty="0" err="1"/>
+              <a:t>var</a:t>
+            </a:r>
+            <a:r>
+              <a:rPr lang="en-US" sz="2000" dirty="0"/>
+              <a:t> </a:t>
+            </a:r>
+            <a:r>
+              <a:rPr lang="en-US" sz="2000" dirty="0" err="1"/>
+              <a:t>count:Long</a:t>
+            </a:r>
+            <a:r>
+              <a:rPr lang="en-US" sz="2000" dirty="0"/>
+              <a:t> = 0</a:t>
+            </a:r>
+          </a:p>
+          <a:p>
+            <a:r>
+              <a:rPr lang="en-US" sz="2000" dirty="0"/>
+              <a:t>  </a:t>
+            </a:r>
+            <a:r>
+              <a:rPr lang="en-US" sz="2000" b="1" dirty="0"/>
+              <a:t>override </a:t>
+            </a:r>
+            <a:r>
+              <a:rPr lang="en-US" sz="2000" b="1" dirty="0" err="1"/>
+              <a:t>def</a:t>
+            </a:r>
+            <a:r>
+              <a:rPr lang="en-US" sz="2000" b="1" dirty="0"/>
+              <a:t> </a:t>
+            </a:r>
+            <a:r>
+              <a:rPr lang="en-US" sz="2000" b="1" dirty="0" err="1"/>
+              <a:t>latestOffset</a:t>
+            </a:r>
+            <a:r>
+              <a:rPr lang="en-US" sz="2000" b="1" dirty="0"/>
+              <a:t>(): Offset </a:t>
+            </a:r>
+            <a:r>
+              <a:rPr lang="en-US" sz="2000" dirty="0"/>
+              <a:t>= { count +=1; </a:t>
+            </a:r>
+            <a:r>
+              <a:rPr lang="en-US" sz="2000" dirty="0" err="1"/>
+              <a:t>LongOffset</a:t>
+            </a:r>
+            <a:r>
+              <a:rPr lang="en-US" sz="2000" dirty="0"/>
+              <a:t>(count) }</a:t>
+            </a:r>
+          </a:p>
+          <a:p>
+            <a:endParaRPr lang="en-US" sz="2000" dirty="0"/>
+          </a:p>
+          <a:p>
+            <a:r>
+              <a:rPr lang="en-US" sz="2000" dirty="0"/>
+              <a:t>  override </a:t>
+            </a:r>
+            <a:r>
+              <a:rPr lang="en-US" sz="2000" dirty="0" err="1"/>
+              <a:t>def</a:t>
+            </a:r>
+            <a:r>
+              <a:rPr lang="en-US" sz="2000" dirty="0"/>
+              <a:t> </a:t>
+            </a:r>
+            <a:r>
+              <a:rPr lang="en-US" sz="2000" dirty="0" err="1"/>
+              <a:t>planInputPartitions</a:t>
+            </a:r>
+            <a:r>
+              <a:rPr lang="en-US" sz="2000" dirty="0"/>
+              <a:t>(start: Offset, end: Offset): Array[</a:t>
+            </a:r>
+            <a:r>
+              <a:rPr lang="en-US" sz="2000" dirty="0" err="1"/>
+              <a:t>InputPartition</a:t>
+            </a:r>
+            <a:r>
+              <a:rPr lang="en-US" sz="2000" dirty="0"/>
+              <a:t>] =  Array(</a:t>
+            </a:r>
+            <a:r>
+              <a:rPr lang="en-US" sz="2000" dirty="0" err="1"/>
+              <a:t>ConstStreamMicroBatchStreamInputPartition</a:t>
+            </a:r>
+            <a:r>
+              <a:rPr lang="en-US" sz="2000" dirty="0"/>
+              <a:t>(1))</a:t>
+            </a:r>
+          </a:p>
+          <a:p>
+            <a:endParaRPr lang="en-US" sz="2000" dirty="0"/>
+          </a:p>
+          <a:p>
+            <a:r>
+              <a:rPr lang="en-US" sz="2000" dirty="0"/>
+              <a:t>  override </a:t>
+            </a:r>
+            <a:r>
+              <a:rPr lang="en-US" sz="2000" dirty="0" err="1"/>
+              <a:t>def</a:t>
+            </a:r>
+            <a:r>
+              <a:rPr lang="en-US" sz="2000" dirty="0"/>
+              <a:t> </a:t>
+            </a:r>
+            <a:r>
+              <a:rPr lang="en-US" sz="2000" dirty="0" err="1"/>
+              <a:t>createReaderFactory</a:t>
+            </a:r>
+            <a:r>
+              <a:rPr lang="en-US" sz="2000" dirty="0"/>
+              <a:t>(): </a:t>
+            </a:r>
+            <a:r>
+              <a:rPr lang="en-US" sz="2000" dirty="0" err="1"/>
+              <a:t>PartitionReaderFactory</a:t>
+            </a:r>
+            <a:r>
+              <a:rPr lang="en-US" sz="2000" dirty="0"/>
+              <a:t> = {</a:t>
+            </a:r>
+          </a:p>
+          <a:p>
+            <a:r>
+              <a:rPr lang="en-US" sz="2000" dirty="0"/>
+              <a:t>    new </a:t>
+            </a:r>
+            <a:r>
+              <a:rPr lang="en-US" sz="2000" dirty="0" err="1"/>
+              <a:t>PartitionReaderFactory</a:t>
+            </a:r>
+            <a:r>
+              <a:rPr lang="en-US" sz="2000" dirty="0"/>
+              <a:t>(){</a:t>
+            </a:r>
+          </a:p>
+          <a:p>
+            <a:r>
+              <a:rPr lang="en-US" sz="2000" dirty="0"/>
+              <a:t>      override </a:t>
+            </a:r>
+            <a:r>
+              <a:rPr lang="en-US" sz="2000" dirty="0" err="1"/>
+              <a:t>def</a:t>
+            </a:r>
+            <a:r>
+              <a:rPr lang="en-US" sz="2000" dirty="0"/>
+              <a:t> </a:t>
+            </a:r>
+            <a:r>
+              <a:rPr lang="en-US" sz="2000" dirty="0" err="1"/>
+              <a:t>createReader</a:t>
+            </a:r>
+            <a:r>
+              <a:rPr lang="en-US" sz="2000" dirty="0"/>
+              <a:t>(partition: </a:t>
+            </a:r>
+            <a:r>
+              <a:rPr lang="en-US" sz="2000" dirty="0" err="1"/>
+              <a:t>InputPartition</a:t>
+            </a:r>
+            <a:r>
+              <a:rPr lang="en-US" sz="2000" dirty="0"/>
+              <a:t>): </a:t>
+            </a:r>
+            <a:r>
+              <a:rPr lang="en-US" sz="2000" dirty="0" err="1"/>
+              <a:t>PartitionReader</a:t>
+            </a:r>
+            <a:r>
+              <a:rPr lang="en-US" sz="2000" dirty="0"/>
+              <a:t>[</a:t>
+            </a:r>
+            <a:r>
+              <a:rPr lang="en-US" sz="2000" dirty="0" err="1"/>
+              <a:t>InternalRow</a:t>
+            </a:r>
+            <a:r>
+              <a:rPr lang="en-US" sz="2000" dirty="0"/>
+              <a:t>] = {</a:t>
+            </a:r>
+          </a:p>
+          <a:p>
+            <a:r>
+              <a:rPr lang="en-US" sz="2000" dirty="0"/>
+              <a:t>        new </a:t>
+            </a:r>
+            <a:r>
+              <a:rPr lang="en-US" sz="2000" dirty="0" err="1"/>
+              <a:t>ConstStreamMicroBatchPartitionReader</a:t>
+            </a:r>
+            <a:r>
+              <a:rPr lang="en-US" sz="2000" dirty="0"/>
+              <a:t>()</a:t>
+            </a:r>
+          </a:p>
+          <a:p>
+            <a:r>
+              <a:rPr lang="en-US" sz="2000" dirty="0"/>
+              <a:t>      }</a:t>
+            </a:r>
+          </a:p>
+          <a:p>
+            <a:r>
+              <a:rPr lang="en-US" sz="2000" dirty="0"/>
+              <a:t>    }</a:t>
+            </a:r>
+          </a:p>
+          <a:p>
+            <a:r>
+              <a:rPr lang="en-US" sz="2000" dirty="0"/>
+              <a:t>  }</a:t>
+            </a:r>
+          </a:p>
+          <a:p>
+            <a:r>
+              <a:rPr lang="en-US" sz="2000" dirty="0" smtClean="0"/>
+              <a:t>  </a:t>
+            </a:r>
+            <a:r>
+              <a:rPr lang="en-US" sz="2000" b="1" dirty="0"/>
+              <a:t>override </a:t>
+            </a:r>
+            <a:r>
+              <a:rPr lang="en-US" sz="2000" b="1" dirty="0" err="1"/>
+              <a:t>def</a:t>
+            </a:r>
+            <a:r>
+              <a:rPr lang="en-US" sz="2000" b="1" dirty="0"/>
+              <a:t> </a:t>
+            </a:r>
+            <a:r>
+              <a:rPr lang="en-US" sz="2000" b="1" dirty="0" err="1"/>
+              <a:t>initialOffset</a:t>
+            </a:r>
+            <a:r>
+              <a:rPr lang="en-US" sz="2000" b="1" dirty="0"/>
+              <a:t>(): Offset </a:t>
+            </a:r>
+            <a:r>
+              <a:rPr lang="en-US" sz="2000" dirty="0"/>
+              <a:t>= </a:t>
+            </a:r>
+            <a:r>
+              <a:rPr lang="en-US" sz="2000" dirty="0" err="1"/>
+              <a:t>LongOffset</a:t>
+            </a:r>
+            <a:r>
+              <a:rPr lang="en-US" sz="2000" dirty="0"/>
+              <a:t>(0)</a:t>
+            </a:r>
+          </a:p>
+          <a:p>
+            <a:endParaRPr lang="en-US" sz="2000" dirty="0"/>
+          </a:p>
+          <a:p>
+            <a:r>
+              <a:rPr lang="en-US" sz="2000" dirty="0"/>
+              <a:t>  override </a:t>
+            </a:r>
+            <a:r>
+              <a:rPr lang="en-US" sz="2000" dirty="0" err="1"/>
+              <a:t>def</a:t>
+            </a:r>
+            <a:r>
+              <a:rPr lang="en-US" sz="2000" dirty="0"/>
+              <a:t> </a:t>
+            </a:r>
+            <a:r>
+              <a:rPr lang="en-US" sz="2000" dirty="0" err="1"/>
+              <a:t>deserializeOffset</a:t>
+            </a:r>
+            <a:r>
+              <a:rPr lang="en-US" sz="2000" dirty="0"/>
+              <a:t>(</a:t>
+            </a:r>
+            <a:r>
+              <a:rPr lang="en-US" sz="2000" dirty="0" err="1"/>
+              <a:t>json</a:t>
+            </a:r>
+            <a:r>
+              <a:rPr lang="en-US" sz="2000" dirty="0"/>
+              <a:t>: String): Offset = {</a:t>
+            </a:r>
+          </a:p>
+          <a:p>
+            <a:r>
+              <a:rPr lang="en-US" sz="2000" dirty="0"/>
+              <a:t>    </a:t>
+            </a:r>
+            <a:r>
+              <a:rPr lang="en-US" sz="2000" dirty="0" err="1"/>
+              <a:t>LongOffset</a:t>
+            </a:r>
+            <a:r>
+              <a:rPr lang="en-US" sz="2000" dirty="0"/>
+              <a:t>(</a:t>
+            </a:r>
+            <a:r>
+              <a:rPr lang="en-US" sz="2000" dirty="0" err="1"/>
+              <a:t>json.toLong</a:t>
+            </a:r>
+            <a:r>
+              <a:rPr lang="en-US" sz="2000" dirty="0"/>
+              <a:t>)</a:t>
+            </a:r>
+          </a:p>
+          <a:p>
+            <a:r>
+              <a:rPr lang="en-US" sz="2000" dirty="0"/>
+              <a:t>  }</a:t>
+            </a:r>
+          </a:p>
+          <a:p>
+            <a:r>
+              <a:rPr lang="en-US" sz="2000" dirty="0" smtClean="0"/>
+              <a:t>  </a:t>
+            </a:r>
+            <a:r>
+              <a:rPr lang="en-US" sz="2000" b="1" dirty="0"/>
+              <a:t>override </a:t>
+            </a:r>
+            <a:r>
+              <a:rPr lang="en-US" sz="2000" b="1" dirty="0" err="1"/>
+              <a:t>def</a:t>
+            </a:r>
+            <a:r>
+              <a:rPr lang="en-US" sz="2000" b="1" dirty="0"/>
+              <a:t> commit(end: Offset): Unit</a:t>
+            </a:r>
+            <a:r>
+              <a:rPr lang="en-US" sz="2000" dirty="0"/>
+              <a:t> = {}</a:t>
+            </a:r>
+          </a:p>
+          <a:p>
+            <a:r>
+              <a:rPr lang="en-US" sz="2000" dirty="0" smtClean="0"/>
+              <a:t>  </a:t>
+            </a:r>
+            <a:r>
+              <a:rPr lang="en-US" sz="2000" dirty="0"/>
+              <a:t>override </a:t>
+            </a:r>
+            <a:r>
+              <a:rPr lang="en-US" sz="2000" dirty="0" err="1"/>
+              <a:t>def</a:t>
+            </a:r>
+            <a:r>
+              <a:rPr lang="en-US" sz="2000" dirty="0"/>
+              <a:t> stop(): Unit = ???</a:t>
+            </a:r>
+          </a:p>
+          <a:p>
+            <a:r>
+              <a:rPr lang="en-US" sz="2000" dirty="0"/>
+              <a:t>}</a:t>
+            </a:r>
+            <a:endParaRPr lang="ru-RU" sz="2000" dirty="0"/>
+          </a:p>
+        </p:txBody>
+      </p:sp>
+    </p:spTree>
+    <p:extLst>
+      <p:ext uri="{BB962C8B-B14F-4D97-AF65-F5344CB8AC3E}">
+        <p14:creationId xmlns:p14="http://schemas.microsoft.com/office/powerpoint/2010/main" val="1692925284"/>
+      </p:ext>
+    </p:extLst>
+  </p:cSld>
+  <p:clrMapOvr>
+    <a:masterClrMapping/>
+  </p:clrMapOvr>
+  <p:timing>
+    <p:tnLst>
+      <p:par>
+        <p:cTn id="1" dur="indefinite" restart="never" nodeType="tmRoot"/>
+      </p:par>
+    </p:tnLst>
+  </p:timing>
+</p:sld>
+</file>
+
+<file path=ppt/slides/slide14.xml><?xml version="1.0" encoding="utf-8"?>
+<p:sld xmlns:a="http://schemas.openxmlformats.org/drawingml/2006/main" xmlns:r="http://schemas.openxmlformats.org/officeDocument/2006/relationships" xmlns:p="http://schemas.openxmlformats.org/presentationml/2006/main">
+  <p:cSld>
+    <p:spTree>
+      <p:nvGrpSpPr>
+        <p:cNvPr id="1" name=""/>
+        <p:cNvGrpSpPr/>
+        <p:nvPr/>
+      </p:nvGrpSpPr>
+      <p:grpSpPr>
+        <a:xfrm>
+          <a:off x="0" y="0"/>
+          <a:ext cx="0" cy="0"/>
+          <a:chOff x="0" y="0"/>
+          <a:chExt cx="0" cy="0"/>
+        </a:xfrm>
+      </p:grpSpPr>
+      <p:sp>
+        <p:nvSpPr>
+          <p:cNvPr id="2" name="Прямоугольник 1"/>
+          <p:cNvSpPr/>
+          <p:nvPr/>
+        </p:nvSpPr>
+        <p:spPr>
+          <a:xfrm>
+            <a:off x="200967" y="3105835"/>
+            <a:ext cx="11991033" cy="369332"/>
+          </a:xfrm>
+          <a:prstGeom prst="rect">
+            <a:avLst/>
+          </a:prstGeom>
+        </p:spPr>
+        <p:txBody>
+          <a:bodyPr wrap="square">
+            <a:spAutoFit/>
+          </a:bodyPr>
+          <a:lstStyle/>
+          <a:p>
+            <a:r>
+              <a:rPr lang="en-US" dirty="0"/>
+              <a:t>case class </a:t>
+            </a:r>
+            <a:r>
+              <a:rPr lang="en-US" dirty="0" err="1"/>
+              <a:t>ConstStreamMicroBatchStreamInputPartition</a:t>
+            </a:r>
+            <a:r>
+              <a:rPr lang="en-US" dirty="0"/>
+              <a:t> (</a:t>
+            </a:r>
+            <a:r>
+              <a:rPr lang="en-US" dirty="0" err="1"/>
+              <a:t>partitionId</a:t>
+            </a:r>
+            <a:r>
+              <a:rPr lang="en-US" dirty="0"/>
+              <a:t>: </a:t>
+            </a:r>
+            <a:r>
+              <a:rPr lang="en-US" dirty="0" err="1"/>
+              <a:t>Int</a:t>
+            </a:r>
+            <a:r>
+              <a:rPr lang="en-US" dirty="0"/>
+              <a:t>) extends </a:t>
+            </a:r>
+            <a:r>
+              <a:rPr lang="en-US" dirty="0" err="1"/>
+              <a:t>InputPartition</a:t>
+            </a:r>
+            <a:endParaRPr lang="ru-RU" dirty="0"/>
+          </a:p>
+        </p:txBody>
+      </p:sp>
+    </p:spTree>
+    <p:extLst>
+      <p:ext uri="{BB962C8B-B14F-4D97-AF65-F5344CB8AC3E}">
+        <p14:creationId xmlns:p14="http://schemas.microsoft.com/office/powerpoint/2010/main" val="1405777702"/>
+      </p:ext>
+    </p:extLst>
+  </p:cSld>
+  <p:clrMapOvr>
+    <a:masterClrMapping/>
+  </p:clrMapOvr>
+  <p:timing>
+    <p:tnLst>
+      <p:par>
+        <p:cTn id="1" dur="indefinite" restart="never" nodeType="tmRoot"/>
+      </p:par>
+    </p:tnLst>
+  </p:timing>
+</p:sld>
+</file>
+
+<file path=ppt/slides/slide15.xml><?xml version="1.0" encoding="utf-8"?>
+<p:sld xmlns:a="http://schemas.openxmlformats.org/drawingml/2006/main" xmlns:r="http://schemas.openxmlformats.org/officeDocument/2006/relationships" xmlns:p="http://schemas.openxmlformats.org/presentationml/2006/main">
+  <p:cSld>
+    <p:spTree>
+      <p:nvGrpSpPr>
+        <p:cNvPr id="1" name=""/>
+        <p:cNvGrpSpPr/>
+        <p:nvPr/>
+      </p:nvGrpSpPr>
+      <p:grpSpPr>
+        <a:xfrm>
+          <a:off x="0" y="0"/>
+          <a:ext cx="0" cy="0"/>
+          <a:chOff x="0" y="0"/>
+          <a:chExt cx="0" cy="0"/>
+        </a:xfrm>
+      </p:grpSpPr>
+      <p:sp>
+        <p:nvSpPr>
           <p:cNvPr id="2" name="Прямоугольник 1"/>
           <p:cNvSpPr/>
           <p:nvPr/>
@@ -3777,7 +5004,7 @@
 </p:sld>
 </file>
 
-<file path=ppt/slides/slide12.xml><?xml version="1.0" encoding="utf-8"?>
+<file path=ppt/slides/slide16.xml><?xml version="1.0" encoding="utf-8"?>
 <p:sld xmlns:a="http://schemas.openxmlformats.org/drawingml/2006/main" xmlns:r="http://schemas.openxmlformats.org/officeDocument/2006/relationships" xmlns:p="http://schemas.openxmlformats.org/presentationml/2006/main">
   <p:cSld>
     <p:spTree>
@@ -3989,7 +5216,7 @@
 </p:sld>
 </file>
 
-<file path=ppt/slides/slide13.xml><?xml version="1.0" encoding="utf-8"?>
+<file path=ppt/slides/slide17.xml><?xml version="1.0" encoding="utf-8"?>
 <p:sld xmlns:a="http://schemas.openxmlformats.org/drawingml/2006/main" xmlns:r="http://schemas.openxmlformats.org/officeDocument/2006/relationships" xmlns:p="http://schemas.openxmlformats.org/presentationml/2006/main">
   <p:cSld>
     <p:spTree>
@@ -4113,7 +5340,7 @@
 </p:sld>
 </file>
 
-<file path=ppt/slides/slide14.xml><?xml version="1.0" encoding="utf-8"?>
+<file path=ppt/slides/slide18.xml><?xml version="1.0" encoding="utf-8"?>
 <p:sld xmlns:a="http://schemas.openxmlformats.org/drawingml/2006/main" xmlns:r="http://schemas.openxmlformats.org/officeDocument/2006/relationships" xmlns:p="http://schemas.openxmlformats.org/presentationml/2006/main">
   <p:cSld>
     <p:spTree>
@@ -4836,6 +6063,56 @@
           </a:prstGeom>
         </p:spPr>
       </p:pic>
+      <p:sp>
+        <p:nvSpPr>
+          <p:cNvPr id="2" name="TextBox 1"/>
+          <p:cNvSpPr txBox="1"/>
+          <p:nvPr/>
+        </p:nvSpPr>
+        <p:spPr>
+          <a:xfrm>
+            <a:off x="3768132" y="160774"/>
+            <a:ext cx="4172168" cy="369332"/>
+          </a:xfrm>
+          <a:prstGeom prst="rect">
+            <a:avLst/>
+          </a:prstGeom>
+          <a:noFill/>
+        </p:spPr>
+        <p:txBody>
+          <a:bodyPr wrap="none" rtlCol="0">
+            <a:spAutoFit/>
+          </a:bodyPr>
+          <a:lstStyle/>
+          <a:p>
+            <a:r>
+              <a:rPr lang="ru-RU" dirty="0" smtClean="0"/>
+              <a:t>Тут нужно </a:t>
+            </a:r>
+            <a:r>
+              <a:rPr lang="ru-RU" dirty="0" err="1" smtClean="0"/>
+              <a:t>стэк</a:t>
+            </a:r>
+            <a:r>
+              <a:rPr lang="ru-RU" dirty="0" smtClean="0"/>
+              <a:t> </a:t>
+            </a:r>
+            <a:r>
+              <a:rPr lang="ru-RU" dirty="0" err="1" smtClean="0"/>
+              <a:t>трэйс</a:t>
+            </a:r>
+            <a:r>
+              <a:rPr lang="ru-RU" dirty="0" smtClean="0"/>
+              <a:t> показать</a:t>
+            </a:r>
+            <a:r>
+              <a:rPr lang="en-US" dirty="0" smtClean="0"/>
+              <a:t>!!!!!!!!!!!!!!</a:t>
+            </a:r>
+            <a:endParaRPr lang="ru-RU" dirty="0"/>
+          </a:p>
+        </p:txBody>
+      </p:sp>
     </p:spTree>
     <p:extLst>
       <p:ext uri="{BB962C8B-B14F-4D97-AF65-F5344CB8AC3E}">
@@ -5454,14 +6731,38 @@
       </p:grpSpPr>
       <p:sp>
         <p:nvSpPr>
+          <p:cNvPr id="2" name="Заголовок 1"/>
+          <p:cNvSpPr>
+            <a:spLocks noGrp="1"/>
+          </p:cNvSpPr>
+          <p:nvPr>
+            <p:ph type="title"/>
+          </p:nvPr>
+        </p:nvSpPr>
+        <p:spPr/>
+        <p:txBody>
+          <a:bodyPr/>
+          <a:lstStyle/>
+          <a:p>
+            <a:pPr algn="ctr"/>
+            <a:r>
+              <a:rPr lang="en-US" dirty="0"/>
+              <a:t>Table</a:t>
+            </a:r>
+            <a:endParaRPr lang="ru-RU" dirty="0"/>
+          </a:p>
+        </p:txBody>
+      </p:sp>
+      <p:sp>
+        <p:nvSpPr>
           <p:cNvPr id="4" name="Прямоугольник 3"/>
           <p:cNvSpPr/>
           <p:nvPr/>
         </p:nvSpPr>
         <p:spPr>
           <a:xfrm>
-            <a:off x="0" y="175911"/>
-            <a:ext cx="12192000" cy="6863417"/>
+            <a:off x="957942" y="1490130"/>
+            <a:ext cx="11401530" cy="3970318"/>
           </a:xfrm>
           <a:prstGeom prst="rect">
             <a:avLst/>
@@ -5474,418 +6775,119 @@
           <a:lstStyle/>
           <a:p>
             <a:r>
-              <a:rPr lang="en-US" sz="2000" dirty="0"/>
-              <a:t>class </a:t>
-            </a:r>
-            <a:r>
-              <a:rPr lang="en-US" sz="2000" b="1" dirty="0" err="1"/>
-              <a:t>ConstStreamTable</a:t>
-            </a:r>
-            <a:r>
-              <a:rPr lang="en-US" sz="2000" dirty="0"/>
-              <a:t>  extends </a:t>
-            </a:r>
-            <a:r>
-              <a:rPr lang="en-US" sz="2000" b="1" dirty="0"/>
-              <a:t>Table</a:t>
-            </a:r>
-            <a:r>
-              <a:rPr lang="en-US" sz="2000" dirty="0"/>
-              <a:t> with </a:t>
-            </a:r>
-            <a:r>
-              <a:rPr lang="en-US" sz="2000" b="1" dirty="0" err="1"/>
+              <a:rPr lang="en-US" dirty="0"/>
+              <a:t>/**</a:t>
+            </a:r>
+          </a:p>
+          <a:p>
+            <a:r>
+              <a:rPr lang="en-US" b="1" dirty="0"/>
+              <a:t> * An interface representing a logical structured data set of a data source. For example, the</a:t>
+            </a:r>
+          </a:p>
+          <a:p>
+            <a:r>
+              <a:rPr lang="en-US" b="1" dirty="0"/>
+              <a:t> * implementation can be a directory on the file system, a topic of Kafka, or a table in the</a:t>
+            </a:r>
+          </a:p>
+          <a:p>
+            <a:r>
+              <a:rPr lang="en-US" b="1" dirty="0"/>
+              <a:t> * catalog, etc.</a:t>
+            </a:r>
+          </a:p>
+          <a:p>
+            <a:r>
+              <a:rPr lang="en-US" dirty="0"/>
+              <a:t> * &lt;p&gt;</a:t>
+            </a:r>
+          </a:p>
+          <a:p>
+            <a:r>
+              <a:rPr lang="en-US" dirty="0"/>
+              <a:t> * This interface can </a:t>
+            </a:r>
+            <a:r>
+              <a:rPr lang="en-US" dirty="0" err="1"/>
+              <a:t>mixin</a:t>
+            </a:r>
+            <a:r>
+              <a:rPr lang="en-US" dirty="0"/>
+              <a:t> {@code </a:t>
+            </a:r>
+            <a:r>
+              <a:rPr lang="en-US" dirty="0" err="1"/>
               <a:t>SupportsRead</a:t>
             </a:r>
             <a:r>
-              <a:rPr lang="en-US" sz="2000" dirty="0"/>
-              <a:t> {</a:t>
-            </a:r>
-          </a:p>
-          <a:p>
-            <a:r>
-              <a:rPr lang="en-US" sz="2000" dirty="0"/>
-              <a:t>  override </a:t>
-            </a:r>
-            <a:r>
-              <a:rPr lang="en-US" sz="2000" dirty="0" err="1"/>
-              <a:t>def</a:t>
-            </a:r>
-            <a:r>
-              <a:rPr lang="en-US" sz="2000" dirty="0"/>
-              <a:t> name(): String = ???</a:t>
-            </a:r>
-          </a:p>
-          <a:p>
-            <a:endParaRPr lang="en-US" sz="2000" dirty="0"/>
-          </a:p>
-          <a:p>
-            <a:r>
-              <a:rPr lang="en-US" sz="2000" dirty="0"/>
-              <a:t>  </a:t>
-            </a:r>
-            <a:r>
-              <a:rPr lang="en-US" sz="2000" b="1" dirty="0"/>
-              <a:t>override </a:t>
-            </a:r>
-            <a:r>
-              <a:rPr lang="en-US" sz="2000" b="1" dirty="0" err="1"/>
-              <a:t>def</a:t>
-            </a:r>
-            <a:r>
-              <a:rPr lang="en-US" sz="2000" b="1" dirty="0"/>
-              <a:t> schema(): </a:t>
-            </a:r>
-            <a:r>
-              <a:rPr lang="en-US" sz="2000" b="1" dirty="0" err="1"/>
-              <a:t>StructType</a:t>
-            </a:r>
-            <a:r>
-              <a:rPr lang="en-US" sz="2000" b="1" dirty="0"/>
-              <a:t> = </a:t>
-            </a:r>
-            <a:r>
-              <a:rPr lang="en-US" sz="2000" b="1" dirty="0" err="1"/>
-              <a:t>ConstStreamTable.SCHEMA</a:t>
-            </a:r>
-            <a:endParaRPr lang="en-US" sz="2000" b="1" dirty="0"/>
-          </a:p>
-          <a:p>
-            <a:endParaRPr lang="en-US" sz="2000" dirty="0"/>
-          </a:p>
-          <a:p>
-            <a:r>
-              <a:rPr lang="en-US" sz="2000" dirty="0"/>
-              <a:t>  override </a:t>
-            </a:r>
-            <a:r>
-              <a:rPr lang="en-US" sz="2000" dirty="0" err="1"/>
-              <a:t>def</a:t>
-            </a:r>
-            <a:r>
-              <a:rPr lang="en-US" sz="2000" dirty="0"/>
-              <a:t> </a:t>
-            </a:r>
-            <a:r>
-              <a:rPr lang="en-US" sz="2000" dirty="0" err="1"/>
-              <a:t>newScanBuilder</a:t>
-            </a:r>
-            <a:r>
-              <a:rPr lang="en-US" sz="2000" dirty="0"/>
-              <a:t>(options: </a:t>
-            </a:r>
-            <a:r>
-              <a:rPr lang="en-US" sz="2000" dirty="0" err="1"/>
-              <a:t>CaseInsensitiveStringMap</a:t>
-            </a:r>
-            <a:r>
-              <a:rPr lang="en-US" sz="2000" dirty="0"/>
-              <a:t>): </a:t>
-            </a:r>
-            <a:r>
-              <a:rPr lang="en-US" sz="2000" dirty="0" err="1"/>
-              <a:t>ScanBuilder</a:t>
-            </a:r>
-            <a:r>
-              <a:rPr lang="en-US" sz="2000" dirty="0"/>
-              <a:t> = () =&gt; new Scan {</a:t>
-            </a:r>
-          </a:p>
-          <a:p>
-            <a:r>
-              <a:rPr lang="en-US" sz="2000" dirty="0"/>
-              <a:t>    override </a:t>
-            </a:r>
-            <a:r>
-              <a:rPr lang="en-US" sz="2000" dirty="0" err="1"/>
-              <a:t>def</a:t>
-            </a:r>
-            <a:r>
-              <a:rPr lang="en-US" sz="2000" dirty="0"/>
-              <a:t> </a:t>
-            </a:r>
-            <a:r>
-              <a:rPr lang="en-US" sz="2000" dirty="0" err="1"/>
-              <a:t>readSchema</a:t>
-            </a:r>
-            <a:r>
-              <a:rPr lang="en-US" sz="2000" dirty="0"/>
-              <a:t>(): </a:t>
-            </a:r>
-            <a:r>
-              <a:rPr lang="en-US" sz="2000" dirty="0" err="1"/>
-              <a:t>StructType</a:t>
-            </a:r>
-            <a:r>
-              <a:rPr lang="en-US" sz="2000" dirty="0"/>
-              <a:t> = </a:t>
-            </a:r>
-            <a:r>
-              <a:rPr lang="en-US" sz="2000" dirty="0" err="1"/>
-              <a:t>ConstStreamTable.SCHEMA</a:t>
-            </a:r>
-            <a:endParaRPr lang="en-US" sz="2000" dirty="0"/>
-          </a:p>
-          <a:p>
-            <a:endParaRPr lang="en-US" sz="2000" dirty="0"/>
-          </a:p>
-          <a:p>
-            <a:r>
-              <a:rPr lang="en-US" sz="2000" b="1" dirty="0"/>
-              <a:t>    override </a:t>
-            </a:r>
-            <a:r>
-              <a:rPr lang="en-US" sz="2000" b="1" dirty="0" err="1"/>
-              <a:t>def</a:t>
-            </a:r>
-            <a:r>
-              <a:rPr lang="en-US" sz="2000" b="1" dirty="0"/>
-              <a:t> </a:t>
-            </a:r>
-            <a:r>
-              <a:rPr lang="en-US" sz="2000" b="1" dirty="0" err="1"/>
-              <a:t>toMicroBatchStream</a:t>
-            </a:r>
-            <a:r>
-              <a:rPr lang="en-US" sz="2000" b="1" dirty="0"/>
-              <a:t>(</a:t>
-            </a:r>
-            <a:r>
-              <a:rPr lang="en-US" sz="2000" b="1" dirty="0" err="1"/>
-              <a:t>checkpointLocation</a:t>
-            </a:r>
-            <a:r>
-              <a:rPr lang="en-US" sz="2000" b="1" dirty="0"/>
-              <a:t>: String): </a:t>
-            </a:r>
-            <a:r>
-              <a:rPr lang="en-US" sz="2000" b="1" dirty="0" err="1"/>
-              <a:t>MicroBatchStream</a:t>
-            </a:r>
-            <a:r>
-              <a:rPr lang="en-US" sz="2000" b="1" dirty="0"/>
-              <a:t> = new </a:t>
-            </a:r>
-            <a:r>
-              <a:rPr lang="en-US" sz="2000" b="1" dirty="0" err="1"/>
-              <a:t>ConstStreamMicroBatchStream</a:t>
-            </a:r>
-            <a:r>
-              <a:rPr lang="en-US" sz="2000" b="1" dirty="0"/>
-              <a:t>()</a:t>
-            </a:r>
-          </a:p>
-          <a:p>
-            <a:endParaRPr lang="en-US" sz="2000" dirty="0"/>
-          </a:p>
-          <a:p>
-            <a:r>
-              <a:rPr lang="en-US" sz="2000" dirty="0"/>
-              <a:t>    override </a:t>
-            </a:r>
-            <a:r>
-              <a:rPr lang="en-US" sz="2000" dirty="0" err="1"/>
-              <a:t>def</a:t>
-            </a:r>
-            <a:r>
-              <a:rPr lang="en-US" sz="2000" dirty="0"/>
-              <a:t> </a:t>
-            </a:r>
-            <a:r>
-              <a:rPr lang="en-US" sz="2000" dirty="0" err="1"/>
-              <a:t>toContinuousStream</a:t>
-            </a:r>
-            <a:r>
-              <a:rPr lang="en-US" sz="2000" dirty="0"/>
-              <a:t>(</a:t>
-            </a:r>
-            <a:r>
-              <a:rPr lang="en-US" sz="2000" dirty="0" err="1"/>
-              <a:t>checkpointLocation</a:t>
-            </a:r>
-            <a:r>
-              <a:rPr lang="en-US" sz="2000" dirty="0"/>
-              <a:t>: String): </a:t>
-            </a:r>
-            <a:r>
-              <a:rPr lang="en-US" sz="2000" dirty="0" err="1"/>
-              <a:t>ContinuousStream</a:t>
-            </a:r>
-            <a:r>
-              <a:rPr lang="en-US" sz="2000" dirty="0"/>
-              <a:t> = ???</a:t>
-            </a:r>
-          </a:p>
-          <a:p>
-            <a:r>
-              <a:rPr lang="en-US" sz="2000" dirty="0"/>
-              <a:t>  </a:t>
-            </a:r>
-            <a:r>
-              <a:rPr lang="en-US" sz="2000" dirty="0" smtClean="0"/>
-              <a:t>}</a:t>
-            </a:r>
-          </a:p>
-          <a:p>
-            <a:endParaRPr lang="en-US" sz="2000" dirty="0"/>
-          </a:p>
-          <a:p>
-            <a:r>
-              <a:rPr lang="en-US" sz="2000" dirty="0"/>
-              <a:t>  </a:t>
-            </a:r>
-            <a:r>
-              <a:rPr lang="en-US" sz="2000" b="1" dirty="0"/>
-              <a:t>override </a:t>
-            </a:r>
-            <a:r>
-              <a:rPr lang="en-US" sz="2000" b="1" dirty="0" err="1"/>
-              <a:t>def</a:t>
-            </a:r>
-            <a:r>
-              <a:rPr lang="en-US" sz="2000" b="1" dirty="0"/>
-              <a:t> capabilities(): </a:t>
-            </a:r>
-            <a:r>
-              <a:rPr lang="en-US" sz="2000" b="1" dirty="0" err="1"/>
-              <a:t>util.Set</a:t>
-            </a:r>
-            <a:r>
-              <a:rPr lang="en-US" sz="2000" b="1" dirty="0"/>
-              <a:t>[</a:t>
-            </a:r>
-            <a:r>
-              <a:rPr lang="en-US" sz="2000" b="1" dirty="0" err="1"/>
-              <a:t>TableCapability</a:t>
-            </a:r>
-            <a:r>
-              <a:rPr lang="en-US" sz="2000" b="1" dirty="0"/>
-              <a:t>] = {</a:t>
-            </a:r>
-          </a:p>
-          <a:p>
-            <a:r>
-              <a:rPr lang="en-US" sz="2000" b="1" dirty="0"/>
-              <a:t>    Set(</a:t>
-            </a:r>
-            <a:r>
-              <a:rPr lang="en-US" sz="2000" b="1" dirty="0" err="1"/>
-              <a:t>TableCapability.MICRO_BATCH_READ</a:t>
-            </a:r>
-            <a:r>
-              <a:rPr lang="en-US" sz="2000" b="1" dirty="0"/>
-              <a:t>).</a:t>
-            </a:r>
-            <a:r>
-              <a:rPr lang="en-US" sz="2000" b="1" dirty="0" err="1"/>
-              <a:t>asJava</a:t>
-            </a:r>
-            <a:endParaRPr lang="en-US" sz="2000" b="1" dirty="0"/>
-          </a:p>
-          <a:p>
-            <a:r>
-              <a:rPr lang="en-US" sz="2000" b="1" dirty="0"/>
-              <a:t>  </a:t>
-            </a:r>
-            <a:r>
-              <a:rPr lang="en-US" sz="2000" b="1" dirty="0" smtClean="0"/>
-              <a:t>}</a:t>
-            </a:r>
-            <a:endParaRPr lang="en-US" sz="2000" b="1" dirty="0"/>
-          </a:p>
-          <a:p>
-            <a:r>
-              <a:rPr lang="en-US" sz="2000" dirty="0"/>
-              <a:t>}</a:t>
-            </a:r>
-          </a:p>
-          <a:p>
-            <a:r>
-              <a:rPr lang="en-US" sz="2000" dirty="0"/>
-              <a:t>object </a:t>
-            </a:r>
-            <a:r>
-              <a:rPr lang="en-US" sz="2000" dirty="0" err="1"/>
-              <a:t>ConstStreamTable</a:t>
-            </a:r>
-            <a:r>
-              <a:rPr lang="en-US" sz="2000" dirty="0"/>
-              <a:t> {</a:t>
-            </a:r>
-          </a:p>
-          <a:p>
-            <a:r>
-              <a:rPr lang="en-US" sz="2000" dirty="0"/>
-              <a:t>  </a:t>
-            </a:r>
-            <a:r>
-              <a:rPr lang="en-US" sz="2000" b="1" dirty="0" err="1"/>
-              <a:t>val</a:t>
-            </a:r>
-            <a:r>
-              <a:rPr lang="en-US" sz="2000" b="1" dirty="0"/>
-              <a:t> SCHEMA =</a:t>
-            </a:r>
-          </a:p>
-          <a:p>
-            <a:r>
-              <a:rPr lang="en-US" sz="2000" b="1" dirty="0"/>
-              <a:t>    </a:t>
-            </a:r>
-            <a:r>
-              <a:rPr lang="en-US" sz="2000" b="1" dirty="0" err="1"/>
-              <a:t>StructType</a:t>
-            </a:r>
-            <a:r>
-              <a:rPr lang="en-US" sz="2000" b="1" dirty="0"/>
-              <a:t>(</a:t>
-            </a:r>
-            <a:r>
-              <a:rPr lang="en-US" sz="2000" b="1" dirty="0" err="1"/>
-              <a:t>StructField</a:t>
-            </a:r>
-            <a:r>
-              <a:rPr lang="en-US" sz="2000" b="1" dirty="0"/>
-              <a:t>("id", </a:t>
-            </a:r>
-            <a:r>
-              <a:rPr lang="en-US" sz="2000" b="1" dirty="0" err="1"/>
-              <a:t>LongType</a:t>
-            </a:r>
-            <a:r>
-              <a:rPr lang="en-US" sz="2000" b="1" dirty="0"/>
-              <a:t>) :: </a:t>
-            </a:r>
-            <a:r>
-              <a:rPr lang="en-US" sz="2000" b="1" dirty="0" err="1"/>
-              <a:t>StructField</a:t>
-            </a:r>
-            <a:r>
-              <a:rPr lang="en-US" sz="2000" b="1" dirty="0"/>
-              <a:t>("value", </a:t>
-            </a:r>
-            <a:r>
-              <a:rPr lang="en-US" sz="2000" b="1" dirty="0" err="1"/>
-              <a:t>LongType</a:t>
-            </a:r>
-            <a:r>
-              <a:rPr lang="en-US" sz="2000" b="1" dirty="0"/>
-              <a:t>) :: Nil)</a:t>
-            </a:r>
-          </a:p>
-          <a:p>
-            <a:r>
-              <a:rPr lang="en-US" sz="2000" dirty="0"/>
-              <a:t>}</a:t>
-            </a:r>
-            <a:endParaRPr lang="ru-RU" sz="2000" dirty="0"/>
+              <a:rPr lang="en-US" dirty="0"/>
+              <a:t>} and {@code </a:t>
+            </a:r>
+            <a:r>
+              <a:rPr lang="en-US" dirty="0" err="1"/>
+              <a:t>SupportsWrite</a:t>
+            </a:r>
+            <a:r>
+              <a:rPr lang="en-US" dirty="0"/>
+              <a:t>} to provide data reading</a:t>
+            </a:r>
+          </a:p>
+          <a:p>
+            <a:r>
+              <a:rPr lang="en-US" dirty="0"/>
+              <a:t> * and writing ability.</a:t>
+            </a:r>
+          </a:p>
+          <a:p>
+            <a:r>
+              <a:rPr lang="en-US" dirty="0"/>
+              <a:t> * &lt;p&gt;</a:t>
+            </a:r>
+          </a:p>
+          <a:p>
+            <a:r>
+              <a:rPr lang="en-US" dirty="0"/>
+              <a:t> * The default implementation of {@link #partitioning()} returns an empty array of partitions, and</a:t>
+            </a:r>
+          </a:p>
+          <a:p>
+            <a:r>
+              <a:rPr lang="en-US" dirty="0"/>
+              <a:t> * the default implementation of {@link #properties()} returns an empty map. These should be</a:t>
+            </a:r>
+          </a:p>
+          <a:p>
+            <a:r>
+              <a:rPr lang="en-US" dirty="0"/>
+              <a:t> * overridden by implementations that support partitioning and table properties.</a:t>
+            </a:r>
+          </a:p>
+          <a:p>
+            <a:r>
+              <a:rPr lang="en-US" dirty="0"/>
+              <a:t> *</a:t>
+            </a:r>
+          </a:p>
+          <a:p>
+            <a:r>
+              <a:rPr lang="en-US" dirty="0"/>
+              <a:t> * @since 3.0.0</a:t>
+            </a:r>
+          </a:p>
+          <a:p>
+            <a:r>
+              <a:rPr lang="en-US" dirty="0"/>
+              <a:t> */</a:t>
+            </a:r>
+            <a:endParaRPr lang="ru-RU" dirty="0"/>
           </a:p>
         </p:txBody>
       </p:sp>
     </p:spTree>
     <p:extLst>
       <p:ext uri="{BB962C8B-B14F-4D97-AF65-F5344CB8AC3E}">
-        <p14:creationId xmlns:p14="http://schemas.microsoft.com/office/powerpoint/2010/main" val="2105238465"/>
+        <p14:creationId xmlns:p14="http://schemas.microsoft.com/office/powerpoint/2010/main" val="998666832"/>
       </p:ext>
     </p:extLst>
   </p:cSld>
@@ -5921,14 +6923,14 @@
       </p:grpSpPr>
       <p:sp>
         <p:nvSpPr>
-          <p:cNvPr id="3" name="Прямоугольник 2"/>
+          <p:cNvPr id="2" name="Прямоугольник 1"/>
           <p:cNvSpPr/>
           <p:nvPr/>
         </p:nvSpPr>
         <p:spPr>
           <a:xfrm>
-            <a:off x="80387" y="0"/>
-            <a:ext cx="12191999" cy="6863417"/>
+            <a:off x="0" y="225651"/>
+            <a:ext cx="12088167" cy="6463308"/>
           </a:xfrm>
           <a:prstGeom prst="rect">
             <a:avLst/>
@@ -5941,388 +6943,249 @@
           <a:lstStyle/>
           <a:p>
             <a:r>
-              <a:rPr lang="en-US" sz="2000" dirty="0"/>
-              <a:t>class </a:t>
-            </a:r>
-            <a:r>
-              <a:rPr lang="en-US" sz="2000" dirty="0" err="1"/>
-              <a:t>ConstStreamMicroBatchStream</a:t>
-            </a:r>
-            <a:r>
-              <a:rPr lang="en-US" sz="2000" dirty="0"/>
-              <a:t> extends </a:t>
-            </a:r>
-            <a:r>
-              <a:rPr lang="en-US" sz="2000" b="1" dirty="0" err="1"/>
-              <a:t>MicroBatchStream</a:t>
-            </a:r>
-            <a:r>
-              <a:rPr lang="en-US" sz="2000" dirty="0"/>
-              <a:t> {</a:t>
-            </a:r>
-          </a:p>
-          <a:p>
-            <a:r>
-              <a:rPr lang="en-US" sz="2000" dirty="0"/>
+              <a:rPr lang="en-US" dirty="0"/>
+              <a:t>public interface Table {</a:t>
+            </a:r>
+          </a:p>
+          <a:p>
+            <a:endParaRPr lang="en-US" dirty="0"/>
+          </a:p>
+          <a:p>
+            <a:r>
+              <a:rPr lang="en-US" dirty="0"/>
               <a:t>  </a:t>
             </a:r>
             <a:r>
-              <a:rPr lang="en-US" sz="2000" dirty="0" err="1"/>
-              <a:t>var</a:t>
-            </a:r>
-            <a:r>
-              <a:rPr lang="en-US" sz="2000" dirty="0"/>
-              <a:t> </a:t>
-            </a:r>
-            <a:r>
-              <a:rPr lang="en-US" sz="2000" dirty="0" err="1"/>
-              <a:t>count:Long</a:t>
-            </a:r>
-            <a:r>
-              <a:rPr lang="en-US" sz="2000" dirty="0"/>
-              <a:t> = 0</a:t>
-            </a:r>
-          </a:p>
-          <a:p>
-            <a:r>
-              <a:rPr lang="en-US" sz="2000" dirty="0"/>
-              <a:t>  override </a:t>
-            </a:r>
-            <a:r>
-              <a:rPr lang="en-US" sz="2000" dirty="0" err="1"/>
-              <a:t>def</a:t>
-            </a:r>
-            <a:r>
-              <a:rPr lang="en-US" sz="2000" dirty="0"/>
-              <a:t> </a:t>
-            </a:r>
-            <a:r>
-              <a:rPr lang="en-US" sz="2000" dirty="0" err="1"/>
-              <a:t>latestOffset</a:t>
-            </a:r>
-            <a:r>
-              <a:rPr lang="en-US" sz="2000" dirty="0"/>
-              <a:t>(): Offset = { count +=1; </a:t>
-            </a:r>
-            <a:r>
-              <a:rPr lang="en-US" sz="2000" dirty="0" err="1"/>
-              <a:t>LongOffset</a:t>
-            </a:r>
-            <a:r>
-              <a:rPr lang="en-US" sz="2000" dirty="0"/>
-              <a:t>(count) }</a:t>
-            </a:r>
-          </a:p>
-          <a:p>
-            <a:endParaRPr lang="en-US" sz="2000" dirty="0"/>
-          </a:p>
-          <a:p>
-            <a:r>
-              <a:rPr lang="en-US" sz="2000" dirty="0"/>
-              <a:t>  override </a:t>
-            </a:r>
-            <a:r>
-              <a:rPr lang="en-US" sz="2000" dirty="0" err="1"/>
-              <a:t>def</a:t>
-            </a:r>
-            <a:r>
-              <a:rPr lang="en-US" sz="2000" dirty="0"/>
-              <a:t> </a:t>
-            </a:r>
-            <a:r>
-              <a:rPr lang="en-US" sz="2000" dirty="0" err="1"/>
-              <a:t>planInputPartitions</a:t>
-            </a:r>
-            <a:r>
-              <a:rPr lang="en-US" sz="2000" dirty="0"/>
-              <a:t>(start: Offset, end: Offset): Array[</a:t>
-            </a:r>
-            <a:r>
-              <a:rPr lang="en-US" sz="2000" dirty="0" err="1"/>
-              <a:t>InputPartition</a:t>
-            </a:r>
-            <a:r>
-              <a:rPr lang="en-US" sz="2000" dirty="0"/>
-              <a:t>] =  Array(</a:t>
-            </a:r>
-            <a:r>
-              <a:rPr lang="en-US" sz="2000" dirty="0" err="1"/>
-              <a:t>ConstStreamMicroBatchStreamInputPartition</a:t>
-            </a:r>
-            <a:r>
-              <a:rPr lang="en-US" sz="2000" dirty="0"/>
-              <a:t>(1))</a:t>
-            </a:r>
-          </a:p>
-          <a:p>
-            <a:endParaRPr lang="en-US" sz="2000" dirty="0"/>
-          </a:p>
-          <a:p>
-            <a:r>
-              <a:rPr lang="en-US" sz="2000" dirty="0"/>
-              <a:t>  override </a:t>
-            </a:r>
-            <a:r>
-              <a:rPr lang="en-US" sz="2000" dirty="0" err="1"/>
-              <a:t>def</a:t>
-            </a:r>
-            <a:r>
-              <a:rPr lang="en-US" sz="2000" dirty="0"/>
-              <a:t> </a:t>
-            </a:r>
-            <a:r>
-              <a:rPr lang="en-US" sz="2000" dirty="0" err="1"/>
-              <a:t>createReaderFactory</a:t>
-            </a:r>
-            <a:r>
-              <a:rPr lang="en-US" sz="2000" dirty="0"/>
-              <a:t>(): </a:t>
-            </a:r>
-            <a:r>
-              <a:rPr lang="en-US" sz="2000" dirty="0" err="1"/>
-              <a:t>PartitionReaderFactory</a:t>
-            </a:r>
-            <a:r>
-              <a:rPr lang="en-US" sz="2000" dirty="0"/>
-              <a:t> = {</a:t>
-            </a:r>
-          </a:p>
-          <a:p>
-            <a:r>
-              <a:rPr lang="en-US" sz="2000" dirty="0"/>
-              <a:t>    new </a:t>
-            </a:r>
-            <a:r>
-              <a:rPr lang="en-US" sz="2000" dirty="0" err="1"/>
-              <a:t>PartitionReaderFactory</a:t>
-            </a:r>
-            <a:r>
-              <a:rPr lang="en-US" sz="2000" dirty="0"/>
-              <a:t>(){</a:t>
-            </a:r>
-          </a:p>
-          <a:p>
-            <a:r>
-              <a:rPr lang="en-US" sz="2000" dirty="0"/>
-              <a:t>      override </a:t>
-            </a:r>
-            <a:r>
-              <a:rPr lang="en-US" sz="2000" dirty="0" err="1"/>
-              <a:t>def</a:t>
-            </a:r>
-            <a:r>
-              <a:rPr lang="en-US" sz="2000" dirty="0"/>
-              <a:t> </a:t>
-            </a:r>
-            <a:r>
-              <a:rPr lang="en-US" sz="2000" dirty="0" err="1"/>
-              <a:t>createReader</a:t>
-            </a:r>
-            <a:r>
-              <a:rPr lang="en-US" sz="2000" dirty="0"/>
-              <a:t>(partition: </a:t>
-            </a:r>
-            <a:r>
-              <a:rPr lang="en-US" sz="2000" dirty="0" err="1"/>
-              <a:t>InputPartition</a:t>
-            </a:r>
-            <a:r>
-              <a:rPr lang="en-US" sz="2000" dirty="0"/>
-              <a:t>): </a:t>
-            </a:r>
-            <a:r>
-              <a:rPr lang="en-US" sz="2000" dirty="0" err="1"/>
-              <a:t>PartitionReader</a:t>
-            </a:r>
-            <a:r>
-              <a:rPr lang="en-US" sz="2000" dirty="0"/>
-              <a:t>[</a:t>
-            </a:r>
-            <a:r>
-              <a:rPr lang="en-US" sz="2000" dirty="0" err="1"/>
-              <a:t>InternalRow</a:t>
-            </a:r>
-            <a:r>
-              <a:rPr lang="en-US" sz="2000" dirty="0"/>
-              <a:t>] = {</a:t>
-            </a:r>
-          </a:p>
-          <a:p>
-            <a:r>
-              <a:rPr lang="en-US" sz="2000" dirty="0"/>
-              <a:t>        new </a:t>
-            </a:r>
-            <a:r>
-              <a:rPr lang="en-US" sz="2000" dirty="0" err="1"/>
-              <a:t>ConstStreamMicroBatchPartitionReader</a:t>
-            </a:r>
-            <a:r>
-              <a:rPr lang="en-US" sz="2000" dirty="0"/>
-              <a:t>()</a:t>
-            </a:r>
-          </a:p>
-          <a:p>
-            <a:r>
-              <a:rPr lang="en-US" sz="2000" dirty="0"/>
-              <a:t>      }</a:t>
-            </a:r>
-          </a:p>
-          <a:p>
-            <a:r>
-              <a:rPr lang="en-US" sz="2000" dirty="0"/>
-              <a:t>    }</a:t>
-            </a:r>
-          </a:p>
-          <a:p>
-            <a:r>
-              <a:rPr lang="en-US" sz="2000" dirty="0"/>
+              <a:rPr lang="en-US" dirty="0" smtClean="0"/>
+              <a:t>/** A </a:t>
+            </a:r>
+            <a:r>
+              <a:rPr lang="en-US" dirty="0"/>
+              <a:t>name to identify this table. Implementations should provide a meaningful name, like </a:t>
+            </a:r>
+            <a:r>
+              <a:rPr lang="en-US" dirty="0" smtClean="0"/>
+              <a:t>the database </a:t>
+            </a:r>
+            <a:r>
+              <a:rPr lang="en-US" dirty="0"/>
+              <a:t>and table name from </a:t>
+            </a:r>
+            <a:r>
+              <a:rPr lang="en-US" dirty="0" smtClean="0"/>
+              <a:t>   catalog</a:t>
+            </a:r>
+            <a:r>
+              <a:rPr lang="en-US" dirty="0"/>
+              <a:t>, or the location of files for this table</a:t>
+            </a:r>
+            <a:r>
+              <a:rPr lang="en-US" dirty="0" smtClean="0"/>
+              <a:t>. </a:t>
+            </a:r>
+            <a:r>
+              <a:rPr lang="en-US" dirty="0"/>
+              <a:t>*/</a:t>
+            </a:r>
+          </a:p>
+          <a:p>
+            <a:r>
+              <a:rPr lang="en-US" dirty="0"/>
+              <a:t>  String name</a:t>
+            </a:r>
+            <a:r>
+              <a:rPr lang="en-US" dirty="0" smtClean="0"/>
+              <a:t>();</a:t>
+            </a:r>
+          </a:p>
+          <a:p>
+            <a:endParaRPr lang="en-US" dirty="0"/>
+          </a:p>
+          <a:p>
+            <a:r>
+              <a:rPr lang="en-US" dirty="0" smtClean="0"/>
+              <a:t>  /**  </a:t>
+            </a:r>
+            <a:r>
+              <a:rPr lang="en-US" dirty="0"/>
+              <a:t>Returns the schema of this table. If the table is not readable and doesn't have a schema, an</a:t>
+            </a:r>
+          </a:p>
+          <a:p>
+            <a:r>
+              <a:rPr lang="en-US" dirty="0"/>
+              <a:t>   </a:t>
+            </a:r>
+            <a:r>
+              <a:rPr lang="en-US" dirty="0" smtClean="0"/>
+              <a:t>empty </a:t>
+            </a:r>
+            <a:r>
+              <a:rPr lang="en-US" dirty="0"/>
+              <a:t>schema can be returned here</a:t>
+            </a:r>
+            <a:r>
+              <a:rPr lang="en-US" dirty="0" smtClean="0"/>
+              <a:t>.  </a:t>
+            </a:r>
+            <a:r>
+              <a:rPr lang="en-US" dirty="0"/>
+              <a:t>*/</a:t>
+            </a:r>
+          </a:p>
+          <a:p>
+            <a:r>
+              <a:rPr lang="en-US" dirty="0"/>
+              <a:t>  </a:t>
+            </a:r>
+            <a:r>
+              <a:rPr lang="en-US" dirty="0" err="1"/>
+              <a:t>StructType</a:t>
+            </a:r>
+            <a:r>
+              <a:rPr lang="en-US" dirty="0"/>
+              <a:t> schema();</a:t>
+            </a:r>
+          </a:p>
+          <a:p>
+            <a:endParaRPr lang="en-US" dirty="0"/>
+          </a:p>
+          <a:p>
+            <a:r>
+              <a:rPr lang="en-US" dirty="0"/>
+              <a:t>  </a:t>
+            </a:r>
+            <a:r>
+              <a:rPr lang="en-US" dirty="0" smtClean="0"/>
+              <a:t>/** Returns </a:t>
+            </a:r>
+            <a:r>
+              <a:rPr lang="en-US" dirty="0"/>
+              <a:t>the physical partitioning of this table</a:t>
+            </a:r>
+            <a:r>
+              <a:rPr lang="en-US" dirty="0" smtClean="0"/>
+              <a:t>.  */</a:t>
+            </a:r>
+          </a:p>
+          <a:p>
+            <a:r>
+              <a:rPr lang="en-US" dirty="0" smtClean="0"/>
+              <a:t>  </a:t>
+            </a:r>
+            <a:r>
+              <a:rPr lang="en-US" dirty="0"/>
+              <a:t>default Transform[] partitioning() {</a:t>
+            </a:r>
+          </a:p>
+          <a:p>
+            <a:r>
+              <a:rPr lang="en-US" dirty="0"/>
+              <a:t>    return new Transform[0];</a:t>
+            </a:r>
+          </a:p>
+          <a:p>
+            <a:r>
+              <a:rPr lang="en-US" dirty="0"/>
               <a:t>  }</a:t>
             </a:r>
           </a:p>
           <a:p>
-            <a:r>
-              <a:rPr lang="en-US" sz="2000" dirty="0" smtClean="0"/>
+            <a:endParaRPr lang="en-US" dirty="0"/>
+          </a:p>
+          <a:p>
+            <a:r>
+              <a:rPr lang="en-US" dirty="0"/>
               <a:t>  </a:t>
             </a:r>
             <a:r>
-              <a:rPr lang="en-US" sz="2000" dirty="0"/>
-              <a:t>override </a:t>
-            </a:r>
-            <a:r>
-              <a:rPr lang="en-US" sz="2000" dirty="0" err="1"/>
-              <a:t>def</a:t>
-            </a:r>
-            <a:r>
-              <a:rPr lang="en-US" sz="2000" dirty="0"/>
-              <a:t> </a:t>
-            </a:r>
-            <a:r>
-              <a:rPr lang="en-US" sz="2000" dirty="0" err="1"/>
-              <a:t>initialOffset</a:t>
-            </a:r>
-            <a:r>
-              <a:rPr lang="en-US" sz="2000" dirty="0"/>
-              <a:t>(): Offset = </a:t>
-            </a:r>
-            <a:r>
-              <a:rPr lang="en-US" sz="2000" dirty="0" err="1"/>
-              <a:t>LongOffset</a:t>
-            </a:r>
-            <a:r>
-              <a:rPr lang="en-US" sz="2000" dirty="0"/>
-              <a:t>(0)</a:t>
-            </a:r>
-          </a:p>
-          <a:p>
-            <a:endParaRPr lang="en-US" sz="2000" dirty="0"/>
-          </a:p>
-          <a:p>
-            <a:r>
-              <a:rPr lang="en-US" sz="2000" dirty="0"/>
-              <a:t>  override </a:t>
-            </a:r>
-            <a:r>
-              <a:rPr lang="en-US" sz="2000" dirty="0" err="1"/>
-              <a:t>def</a:t>
-            </a:r>
-            <a:r>
-              <a:rPr lang="en-US" sz="2000" dirty="0"/>
-              <a:t> </a:t>
-            </a:r>
-            <a:r>
-              <a:rPr lang="en-US" sz="2000" dirty="0" err="1"/>
-              <a:t>deserializeOffset</a:t>
-            </a:r>
-            <a:r>
-              <a:rPr lang="en-US" sz="2000" dirty="0"/>
-              <a:t>(</a:t>
-            </a:r>
-            <a:r>
-              <a:rPr lang="en-US" sz="2000" dirty="0" err="1"/>
-              <a:t>json</a:t>
-            </a:r>
-            <a:r>
-              <a:rPr lang="en-US" sz="2000" dirty="0"/>
-              <a:t>: String): Offset = {</a:t>
-            </a:r>
-          </a:p>
-          <a:p>
-            <a:r>
-              <a:rPr lang="en-US" sz="2000" dirty="0"/>
-              <a:t>    </a:t>
-            </a:r>
-            <a:r>
-              <a:rPr lang="en-US" sz="2000" dirty="0" err="1"/>
-              <a:t>LongOffset</a:t>
-            </a:r>
-            <a:r>
-              <a:rPr lang="en-US" sz="2000" dirty="0"/>
-              <a:t>(</a:t>
-            </a:r>
-            <a:r>
-              <a:rPr lang="en-US" sz="2000" dirty="0" err="1"/>
-              <a:t>json.toLong</a:t>
-            </a:r>
-            <a:r>
-              <a:rPr lang="en-US" sz="2000" dirty="0"/>
-              <a:t>)</a:t>
-            </a:r>
-          </a:p>
-          <a:p>
-            <a:r>
-              <a:rPr lang="en-US" sz="2000" dirty="0"/>
+              <a:rPr lang="en-US" dirty="0" smtClean="0"/>
+              <a:t>/** Returns </a:t>
+            </a:r>
+            <a:r>
+              <a:rPr lang="en-US" dirty="0"/>
+              <a:t>the string map of table properties</a:t>
+            </a:r>
+            <a:r>
+              <a:rPr lang="en-US" dirty="0" smtClean="0"/>
+              <a:t>. */</a:t>
+            </a:r>
+            <a:endParaRPr lang="en-US" dirty="0"/>
+          </a:p>
+          <a:p>
+            <a:r>
+              <a:rPr lang="en-US" dirty="0"/>
+              <a:t>  default Map&lt;String, String&gt; properties() {</a:t>
+            </a:r>
+          </a:p>
+          <a:p>
+            <a:r>
+              <a:rPr lang="en-US" dirty="0"/>
+              <a:t>    return </a:t>
+            </a:r>
+            <a:r>
+              <a:rPr lang="en-US" dirty="0" err="1"/>
+              <a:t>Collections.emptyMap</a:t>
+            </a:r>
+            <a:r>
+              <a:rPr lang="en-US" dirty="0"/>
+              <a:t>();</a:t>
+            </a:r>
+          </a:p>
+          <a:p>
+            <a:r>
+              <a:rPr lang="en-US" dirty="0"/>
               <a:t>  }</a:t>
             </a:r>
           </a:p>
           <a:p>
-            <a:r>
-              <a:rPr lang="en-US" sz="2000" dirty="0" smtClean="0"/>
+            <a:endParaRPr lang="en-US" dirty="0"/>
+          </a:p>
+          <a:p>
+            <a:r>
+              <a:rPr lang="en-US" dirty="0"/>
               <a:t>  </a:t>
             </a:r>
             <a:r>
-              <a:rPr lang="en-US" sz="2000" dirty="0"/>
-              <a:t>override </a:t>
-            </a:r>
-            <a:r>
-              <a:rPr lang="en-US" sz="2000" dirty="0" err="1"/>
-              <a:t>def</a:t>
-            </a:r>
-            <a:r>
-              <a:rPr lang="en-US" sz="2000" dirty="0"/>
-              <a:t> commit(end: Offset): Unit = {}</a:t>
-            </a:r>
-          </a:p>
-          <a:p>
-            <a:r>
-              <a:rPr lang="en-US" sz="2000" dirty="0" smtClean="0"/>
-              <a:t>  </a:t>
-            </a:r>
-            <a:r>
-              <a:rPr lang="en-US" sz="2000" dirty="0"/>
-              <a:t>override </a:t>
-            </a:r>
-            <a:r>
-              <a:rPr lang="en-US" sz="2000" dirty="0" err="1"/>
-              <a:t>def</a:t>
-            </a:r>
-            <a:r>
-              <a:rPr lang="en-US" sz="2000" dirty="0"/>
-              <a:t> stop(): Unit = ???</a:t>
-            </a:r>
-          </a:p>
-          <a:p>
-            <a:r>
-              <a:rPr lang="en-US" sz="2000" dirty="0"/>
+              <a:rPr lang="en-US" dirty="0" smtClean="0"/>
+              <a:t>/** Returns </a:t>
+            </a:r>
+            <a:r>
+              <a:rPr lang="en-US" dirty="0"/>
+              <a:t>the set of capabilities for this table</a:t>
+            </a:r>
+            <a:r>
+              <a:rPr lang="en-US" dirty="0" smtClean="0"/>
+              <a:t>. */</a:t>
+            </a:r>
+            <a:endParaRPr lang="en-US" dirty="0"/>
+          </a:p>
+          <a:p>
+            <a:r>
+              <a:rPr lang="en-US" dirty="0"/>
+              <a:t>  Set&lt;</a:t>
+            </a:r>
+            <a:r>
+              <a:rPr lang="en-US" dirty="0" err="1"/>
+              <a:t>TableCapability</a:t>
+            </a:r>
+            <a:r>
+              <a:rPr lang="en-US" dirty="0"/>
+              <a:t>&gt; capabilities();</a:t>
+            </a:r>
+          </a:p>
+          <a:p>
+            <a:r>
+              <a:rPr lang="en-US" dirty="0"/>
               <a:t>}</a:t>
             </a:r>
-            <a:endParaRPr lang="ru-RU" sz="2000" dirty="0"/>
           </a:p>
         </p:txBody>
       </p:sp>
     </p:spTree>
     <p:extLst>
       <p:ext uri="{BB962C8B-B14F-4D97-AF65-F5344CB8AC3E}">
-        <p14:creationId xmlns:p14="http://schemas.microsoft.com/office/powerpoint/2010/main" val="1692925284"/>
+        <p14:creationId xmlns:p14="http://schemas.microsoft.com/office/powerpoint/2010/main" val="3146807760"/>
       </p:ext>
     </p:extLst>
   </p:cSld>
